--- a/schematic_figures.pptx
+++ b/schematic_figures.pptx
@@ -105,6 +105,11 @@
       </a:defRPr>
     </a:lvl9pPr>
   </p:defaultTextStyle>
+  <p:extLst>
+    <p:ext uri="{EFAFB233-063F-42B5-8137-9DF3F51BA10A}">
+      <p15:sldGuideLst xmlns:p15="http://schemas.microsoft.com/office/powerpoint/2012/main"/>
+    </p:ext>
+  </p:extLst>
 </p:presentation>
 </file>
 
@@ -255,7 +260,7 @@
           <a:p>
             <a:fld id="{212F00D6-3642-7F43-BFBF-BFE7ADB0005A}" type="datetimeFigureOut">
               <a:rPr kumimoji="1" lang="zh-CN" altLang="en-US" smtClean="0"/>
-              <a:t>2020/7/3</a:t>
+              <a:t>2020/7/4</a:t>
             </a:fld>
             <a:endParaRPr kumimoji="1" lang="zh-CN" altLang="en-US"/>
           </a:p>
@@ -453,7 +458,7 @@
           <a:p>
             <a:fld id="{212F00D6-3642-7F43-BFBF-BFE7ADB0005A}" type="datetimeFigureOut">
               <a:rPr kumimoji="1" lang="zh-CN" altLang="en-US" smtClean="0"/>
-              <a:t>2020/7/3</a:t>
+              <a:t>2020/7/4</a:t>
             </a:fld>
             <a:endParaRPr kumimoji="1" lang="zh-CN" altLang="en-US"/>
           </a:p>
@@ -661,7 +666,7 @@
           <a:p>
             <a:fld id="{212F00D6-3642-7F43-BFBF-BFE7ADB0005A}" type="datetimeFigureOut">
               <a:rPr kumimoji="1" lang="zh-CN" altLang="en-US" smtClean="0"/>
-              <a:t>2020/7/3</a:t>
+              <a:t>2020/7/4</a:t>
             </a:fld>
             <a:endParaRPr kumimoji="1" lang="zh-CN" altLang="en-US"/>
           </a:p>
@@ -859,7 +864,7 @@
           <a:p>
             <a:fld id="{212F00D6-3642-7F43-BFBF-BFE7ADB0005A}" type="datetimeFigureOut">
               <a:rPr kumimoji="1" lang="zh-CN" altLang="en-US" smtClean="0"/>
-              <a:t>2020/7/3</a:t>
+              <a:t>2020/7/4</a:t>
             </a:fld>
             <a:endParaRPr kumimoji="1" lang="zh-CN" altLang="en-US"/>
           </a:p>
@@ -1134,7 +1139,7 @@
           <a:p>
             <a:fld id="{212F00D6-3642-7F43-BFBF-BFE7ADB0005A}" type="datetimeFigureOut">
               <a:rPr kumimoji="1" lang="zh-CN" altLang="en-US" smtClean="0"/>
-              <a:t>2020/7/3</a:t>
+              <a:t>2020/7/4</a:t>
             </a:fld>
             <a:endParaRPr kumimoji="1" lang="zh-CN" altLang="en-US"/>
           </a:p>
@@ -1399,7 +1404,7 @@
           <a:p>
             <a:fld id="{212F00D6-3642-7F43-BFBF-BFE7ADB0005A}" type="datetimeFigureOut">
               <a:rPr kumimoji="1" lang="zh-CN" altLang="en-US" smtClean="0"/>
-              <a:t>2020/7/3</a:t>
+              <a:t>2020/7/4</a:t>
             </a:fld>
             <a:endParaRPr kumimoji="1" lang="zh-CN" altLang="en-US"/>
           </a:p>
@@ -1811,7 +1816,7 @@
           <a:p>
             <a:fld id="{212F00D6-3642-7F43-BFBF-BFE7ADB0005A}" type="datetimeFigureOut">
               <a:rPr kumimoji="1" lang="zh-CN" altLang="en-US" smtClean="0"/>
-              <a:t>2020/7/3</a:t>
+              <a:t>2020/7/4</a:t>
             </a:fld>
             <a:endParaRPr kumimoji="1" lang="zh-CN" altLang="en-US"/>
           </a:p>
@@ -1952,7 +1957,7 @@
           <a:p>
             <a:fld id="{212F00D6-3642-7F43-BFBF-BFE7ADB0005A}" type="datetimeFigureOut">
               <a:rPr kumimoji="1" lang="zh-CN" altLang="en-US" smtClean="0"/>
-              <a:t>2020/7/3</a:t>
+              <a:t>2020/7/4</a:t>
             </a:fld>
             <a:endParaRPr kumimoji="1" lang="zh-CN" altLang="en-US"/>
           </a:p>
@@ -2065,7 +2070,7 @@
           <a:p>
             <a:fld id="{212F00D6-3642-7F43-BFBF-BFE7ADB0005A}" type="datetimeFigureOut">
               <a:rPr kumimoji="1" lang="zh-CN" altLang="en-US" smtClean="0"/>
-              <a:t>2020/7/3</a:t>
+              <a:t>2020/7/4</a:t>
             </a:fld>
             <a:endParaRPr kumimoji="1" lang="zh-CN" altLang="en-US"/>
           </a:p>
@@ -2376,7 +2381,7 @@
           <a:p>
             <a:fld id="{212F00D6-3642-7F43-BFBF-BFE7ADB0005A}" type="datetimeFigureOut">
               <a:rPr kumimoji="1" lang="zh-CN" altLang="en-US" smtClean="0"/>
-              <a:t>2020/7/3</a:t>
+              <a:t>2020/7/4</a:t>
             </a:fld>
             <a:endParaRPr kumimoji="1" lang="zh-CN" altLang="en-US"/>
           </a:p>
@@ -2664,7 +2669,7 @@
           <a:p>
             <a:fld id="{212F00D6-3642-7F43-BFBF-BFE7ADB0005A}" type="datetimeFigureOut">
               <a:rPr kumimoji="1" lang="zh-CN" altLang="en-US" smtClean="0"/>
-              <a:t>2020/7/3</a:t>
+              <a:t>2020/7/4</a:t>
             </a:fld>
             <a:endParaRPr kumimoji="1" lang="zh-CN" altLang="en-US"/>
           </a:p>
@@ -2905,7 +2910,7 @@
           <a:p>
             <a:fld id="{212F00D6-3642-7F43-BFBF-BFE7ADB0005A}" type="datetimeFigureOut">
               <a:rPr kumimoji="1" lang="zh-CN" altLang="en-US" smtClean="0"/>
-              <a:t>2020/7/3</a:t>
+              <a:t>2020/7/4</a:t>
             </a:fld>
             <a:endParaRPr kumimoji="1" lang="zh-CN" altLang="en-US"/>
           </a:p>
@@ -3660,8 +3665,8 @@
           </a:p>
         </p:txBody>
       </p:sp>
-      <mc:AlternateContent xmlns:mc="http://schemas.openxmlformats.org/markup-compatibility/2006">
-        <mc:Choice xmlns:a14="http://schemas.microsoft.com/office/drawing/2010/main" Requires="a14">
+      <mc:AlternateContent xmlns:mc="http://schemas.openxmlformats.org/markup-compatibility/2006" xmlns:a14="http://schemas.microsoft.com/office/drawing/2010/main">
+        <mc:Choice Requires="a14">
           <p:sp>
             <p:nvSpPr>
               <p:cNvPr id="60" name="文本框 59">
@@ -3690,6 +3695,7 @@
               </a:bodyPr>
               <a:lstStyle/>
               <a:p>
+                <a:pPr/>
                 <a14:m>
                   <m:oMathPara xmlns:m="http://schemas.openxmlformats.org/officeDocument/2006/math">
                     <m:oMathParaPr>
@@ -3713,7 +3719,7 @@
             </p:txBody>
           </p:sp>
         </mc:Choice>
-        <mc:Fallback>
+        <mc:Fallback xmlns="">
           <p:sp>
             <p:nvSpPr>
               <p:cNvPr id="60" name="文本框 59">
@@ -3802,8 +3808,8 @@
           </a:fontRef>
         </p:style>
       </p:cxnSp>
-      <mc:AlternateContent xmlns:mc="http://schemas.openxmlformats.org/markup-compatibility/2006">
-        <mc:Choice xmlns:a14="http://schemas.microsoft.com/office/drawing/2010/main" Requires="a14">
+      <mc:AlternateContent xmlns:mc="http://schemas.openxmlformats.org/markup-compatibility/2006" xmlns:a14="http://schemas.microsoft.com/office/drawing/2010/main">
+        <mc:Choice Requires="a14">
           <p:sp>
             <p:nvSpPr>
               <p:cNvPr id="61" name="矩形 60">
@@ -3855,7 +3861,7 @@
             </p:txBody>
           </p:sp>
         </mc:Choice>
-        <mc:Fallback>
+        <mc:Fallback xmlns="">
           <p:sp>
             <p:nvSpPr>
               <p:cNvPr id="61" name="矩形 60">
@@ -3900,8 +3906,8 @@
           </p:sp>
         </mc:Fallback>
       </mc:AlternateContent>
-      <mc:AlternateContent xmlns:mc="http://schemas.openxmlformats.org/markup-compatibility/2006">
-        <mc:Choice xmlns:a14="http://schemas.microsoft.com/office/drawing/2010/main" Requires="a14">
+      <mc:AlternateContent xmlns:mc="http://schemas.openxmlformats.org/markup-compatibility/2006" xmlns:a14="http://schemas.microsoft.com/office/drawing/2010/main">
+        <mc:Choice Requires="a14">
           <p:sp>
             <p:nvSpPr>
               <p:cNvPr id="64" name="矩形 63">
@@ -3956,7 +3962,7 @@
             </p:txBody>
           </p:sp>
         </mc:Choice>
-        <mc:Fallback>
+        <mc:Fallback xmlns="">
           <p:sp>
             <p:nvSpPr>
               <p:cNvPr id="64" name="矩形 63">
@@ -4523,20 +4529,20 @@
         </p:nvSpPr>
         <p:spPr>
           <a:xfrm rot="20411836">
-            <a:off x="6240276" y="2610135"/>
+            <a:off x="6284143" y="2629395"/>
             <a:ext cx="3763386" cy="2806886"/>
           </a:xfrm>
           <a:prstGeom prst="arc">
             <a:avLst>
-              <a:gd name="adj1" fmla="val 19243405"/>
-              <a:gd name="adj2" fmla="val 21302774"/>
+              <a:gd name="adj1" fmla="val 18835967"/>
+              <a:gd name="adj2" fmla="val 21257717"/>
             </a:avLst>
           </a:prstGeom>
           <a:ln w="22225">
             <a:solidFill>
               <a:srgbClr val="00B050"/>
             </a:solidFill>
-            <a:prstDash val="lgDashDot"/>
+            <a:prstDash val="lgDashDotDot"/>
           </a:ln>
         </p:spPr>
         <p:style>
@@ -4608,8 +4614,8 @@
           </a:fontRef>
         </p:style>
       </p:cxnSp>
-      <mc:AlternateContent xmlns:mc="http://schemas.openxmlformats.org/markup-compatibility/2006">
-        <mc:Choice xmlns:a14="http://schemas.microsoft.com/office/drawing/2010/main" Requires="a14">
+      <mc:AlternateContent xmlns:mc="http://schemas.openxmlformats.org/markup-compatibility/2006" xmlns:a14="http://schemas.microsoft.com/office/drawing/2010/main">
+        <mc:Choice Requires="a14">
           <p:sp>
             <p:nvSpPr>
               <p:cNvPr id="156" name="文本框 155">
@@ -4638,6 +4644,7 @@
               </a:bodyPr>
               <a:lstStyle/>
               <a:p>
+                <a:pPr/>
                 <a14:m>
                   <m:oMathPara xmlns:m="http://schemas.openxmlformats.org/officeDocument/2006/math">
                     <m:oMathParaPr>
@@ -4658,7 +4665,7 @@
             </p:txBody>
           </p:sp>
         </mc:Choice>
-        <mc:Fallback>
+        <mc:Fallback xmlns="">
           <p:sp>
             <p:nvSpPr>
               <p:cNvPr id="156" name="文本框 155">
@@ -4949,8 +4956,8 @@
           </a:fontRef>
         </p:style>
       </p:cxnSp>
-      <mc:AlternateContent xmlns:mc="http://schemas.openxmlformats.org/markup-compatibility/2006">
-        <mc:Choice xmlns:a14="http://schemas.microsoft.com/office/drawing/2010/main" Requires="a14">
+      <mc:AlternateContent xmlns:mc="http://schemas.openxmlformats.org/markup-compatibility/2006" xmlns:a14="http://schemas.microsoft.com/office/drawing/2010/main">
+        <mc:Choice Requires="a14">
           <p:sp>
             <p:nvSpPr>
               <p:cNvPr id="183" name="文本框 182">
@@ -4979,6 +4986,7 @@
               </a:bodyPr>
               <a:lstStyle/>
               <a:p>
+                <a:pPr/>
                 <a14:m>
                   <m:oMathPara xmlns:m="http://schemas.openxmlformats.org/officeDocument/2006/math">
                     <m:oMathParaPr>
@@ -5003,7 +5011,7 @@
             </p:txBody>
           </p:sp>
         </mc:Choice>
-        <mc:Fallback>
+        <mc:Fallback xmlns="">
           <p:sp>
             <p:nvSpPr>
               <p:cNvPr id="183" name="文本框 182">
@@ -5048,8 +5056,8 @@
           </p:sp>
         </mc:Fallback>
       </mc:AlternateContent>
-      <mc:AlternateContent xmlns:mc="http://schemas.openxmlformats.org/markup-compatibility/2006">
-        <mc:Choice xmlns:a14="http://schemas.microsoft.com/office/drawing/2010/main" Requires="a14">
+      <mc:AlternateContent xmlns:mc="http://schemas.openxmlformats.org/markup-compatibility/2006" xmlns:a14="http://schemas.microsoft.com/office/drawing/2010/main">
+        <mc:Choice Requires="a14">
           <p:sp>
             <p:nvSpPr>
               <p:cNvPr id="184" name="矩形 183">
@@ -5121,7 +5129,7 @@
             </p:txBody>
           </p:sp>
         </mc:Choice>
-        <mc:Fallback>
+        <mc:Fallback xmlns="">
           <p:sp>
             <p:nvSpPr>
               <p:cNvPr id="184" name="矩形 183">
@@ -5208,8 +5216,8 @@
           </a:p>
         </p:txBody>
       </p:sp>
-      <mc:AlternateContent xmlns:mc="http://schemas.openxmlformats.org/markup-compatibility/2006">
-        <mc:Choice xmlns:a14="http://schemas.microsoft.com/office/drawing/2010/main" Requires="a14">
+      <mc:AlternateContent xmlns:mc="http://schemas.openxmlformats.org/markup-compatibility/2006" xmlns:a14="http://schemas.microsoft.com/office/drawing/2010/main">
+        <mc:Choice Requires="a14">
           <p:sp>
             <p:nvSpPr>
               <p:cNvPr id="186" name="矩形 185">
@@ -5277,7 +5285,7 @@
             </p:txBody>
           </p:sp>
         </mc:Choice>
-        <mc:Fallback>
+        <mc:Fallback xmlns="">
           <p:sp>
             <p:nvSpPr>
               <p:cNvPr id="186" name="矩形 185">
@@ -5322,8 +5330,8 @@
           </p:sp>
         </mc:Fallback>
       </mc:AlternateContent>
-      <mc:AlternateContent xmlns:mc="http://schemas.openxmlformats.org/markup-compatibility/2006">
-        <mc:Choice xmlns:a14="http://schemas.microsoft.com/office/drawing/2010/main" Requires="a14">
+      <mc:AlternateContent xmlns:mc="http://schemas.openxmlformats.org/markup-compatibility/2006" xmlns:a14="http://schemas.microsoft.com/office/drawing/2010/main">
+        <mc:Choice Requires="a14">
           <p:sp>
             <p:nvSpPr>
               <p:cNvPr id="187" name="矩形 186">
@@ -5372,7 +5380,7 @@
             </p:txBody>
           </p:sp>
         </mc:Choice>
-        <mc:Fallback>
+        <mc:Fallback xmlns="">
           <p:sp>
             <p:nvSpPr>
               <p:cNvPr id="187" name="矩形 186">
@@ -5417,8 +5425,8 @@
           </p:sp>
         </mc:Fallback>
       </mc:AlternateContent>
-      <mc:AlternateContent xmlns:mc="http://schemas.openxmlformats.org/markup-compatibility/2006">
-        <mc:Choice xmlns:a14="http://schemas.microsoft.com/office/drawing/2010/main" Requires="a14">
+      <mc:AlternateContent xmlns:mc="http://schemas.openxmlformats.org/markup-compatibility/2006" xmlns:a14="http://schemas.microsoft.com/office/drawing/2010/main">
+        <mc:Choice Requires="a14">
           <p:sp>
             <p:nvSpPr>
               <p:cNvPr id="189" name="矩形 188">
@@ -5467,7 +5475,7 @@
             </p:txBody>
           </p:sp>
         </mc:Choice>
-        <mc:Fallback>
+        <mc:Fallback xmlns="">
           <p:sp>
             <p:nvSpPr>
               <p:cNvPr id="189" name="矩形 188">
@@ -5536,7 +5544,7 @@
           </a:prstGeom>
           <a:ln w="19050">
             <a:solidFill>
-              <a:schemeClr val="tx1"/>
+              <a:srgbClr val="7030A0"/>
             </a:solidFill>
             <a:prstDash val="lgDash"/>
           </a:ln>
@@ -5609,8 +5617,8 @@
           </a:p>
         </p:txBody>
       </p:sp>
-      <mc:AlternateContent xmlns:mc="http://schemas.openxmlformats.org/markup-compatibility/2006">
-        <mc:Choice xmlns:a14="http://schemas.microsoft.com/office/drawing/2010/main" Requires="a14">
+      <mc:AlternateContent xmlns:mc="http://schemas.openxmlformats.org/markup-compatibility/2006" xmlns:a14="http://schemas.microsoft.com/office/drawing/2010/main">
+        <mc:Choice Requires="a14">
           <p:sp>
             <p:nvSpPr>
               <p:cNvPr id="197" name="矩形 196">
@@ -5667,7 +5675,7 @@
             </p:txBody>
           </p:sp>
         </mc:Choice>
-        <mc:Fallback>
+        <mc:Fallback xmlns="">
           <p:sp>
             <p:nvSpPr>
               <p:cNvPr id="197" name="矩形 196">
@@ -5765,8 +5773,8 @@
           </a:p>
         </p:txBody>
       </p:sp>
-      <mc:AlternateContent xmlns:mc="http://schemas.openxmlformats.org/markup-compatibility/2006">
-        <mc:Choice xmlns:a14="http://schemas.microsoft.com/office/drawing/2010/main" Requires="a14">
+      <mc:AlternateContent xmlns:mc="http://schemas.openxmlformats.org/markup-compatibility/2006" xmlns:a14="http://schemas.microsoft.com/office/drawing/2010/main">
+        <mc:Choice Requires="a14">
           <p:sp>
             <p:nvSpPr>
               <p:cNvPr id="199" name="矩形 198">
@@ -5822,7 +5830,7 @@
             </p:txBody>
           </p:sp>
         </mc:Choice>
-        <mc:Fallback>
+        <mc:Fallback xmlns="">
           <p:sp>
             <p:nvSpPr>
               <p:cNvPr id="199" name="矩形 198">
@@ -5920,8 +5928,8 @@
           </a:p>
         </p:txBody>
       </p:sp>
-      <mc:AlternateContent xmlns:mc="http://schemas.openxmlformats.org/markup-compatibility/2006">
-        <mc:Choice xmlns:a14="http://schemas.microsoft.com/office/drawing/2010/main" Requires="a14">
+      <mc:AlternateContent xmlns:mc="http://schemas.openxmlformats.org/markup-compatibility/2006" xmlns:a14="http://schemas.microsoft.com/office/drawing/2010/main">
+        <mc:Choice Requires="a14">
           <p:sp>
             <p:nvSpPr>
               <p:cNvPr id="201" name="矩形 200">
@@ -5977,7 +5985,7 @@
             </p:txBody>
           </p:sp>
         </mc:Choice>
-        <mc:Fallback>
+        <mc:Fallback xmlns="">
           <p:sp>
             <p:nvSpPr>
               <p:cNvPr id="201" name="矩形 200">
@@ -6075,8 +6083,8 @@
           </a:p>
         </p:txBody>
       </p:sp>
-      <mc:AlternateContent xmlns:mc="http://schemas.openxmlformats.org/markup-compatibility/2006">
-        <mc:Choice xmlns:a14="http://schemas.microsoft.com/office/drawing/2010/main" Requires="a14">
+      <mc:AlternateContent xmlns:mc="http://schemas.openxmlformats.org/markup-compatibility/2006" xmlns:a14="http://schemas.microsoft.com/office/drawing/2010/main">
+        <mc:Choice Requires="a14">
           <p:sp>
             <p:nvSpPr>
               <p:cNvPr id="203" name="文本框 202">
@@ -6105,6 +6113,7 @@
               </a:bodyPr>
               <a:lstStyle/>
               <a:p>
+                <a:pPr/>
                 <a14:m>
                   <m:oMathPara xmlns:m="http://schemas.openxmlformats.org/officeDocument/2006/math">
                     <m:oMathParaPr>
@@ -6132,7 +6141,7 @@
             </p:txBody>
           </p:sp>
         </mc:Choice>
-        <mc:Fallback>
+        <mc:Fallback xmlns="">
           <p:sp>
             <p:nvSpPr>
               <p:cNvPr id="203" name="文本框 202">
@@ -6234,8 +6243,8 @@
           </a:p>
         </p:txBody>
       </p:sp>
-      <mc:AlternateContent xmlns:mc="http://schemas.openxmlformats.org/markup-compatibility/2006">
-        <mc:Choice xmlns:a14="http://schemas.microsoft.com/office/drawing/2010/main" Requires="a14">
+      <mc:AlternateContent xmlns:mc="http://schemas.openxmlformats.org/markup-compatibility/2006" xmlns:a14="http://schemas.microsoft.com/office/drawing/2010/main">
+        <mc:Choice Requires="a14">
           <p:sp>
             <p:nvSpPr>
               <p:cNvPr id="205" name="文本框 204">
@@ -6264,6 +6273,7 @@
               </a:bodyPr>
               <a:lstStyle/>
               <a:p>
+                <a:pPr/>
                 <a14:m>
                   <m:oMathPara xmlns:m="http://schemas.openxmlformats.org/officeDocument/2006/math">
                     <m:oMathParaPr>
@@ -6291,7 +6301,7 @@
             </p:txBody>
           </p:sp>
         </mc:Choice>
-        <mc:Fallback>
+        <mc:Fallback xmlns="">
           <p:sp>
             <p:nvSpPr>
               <p:cNvPr id="205" name="文本框 204">

--- a/schematic_figures.pptx
+++ b/schematic_figures.pptx
@@ -113,6 +113,315 @@
 </p:presentation>
 </file>
 
+<file path=ppt/changesInfos/changesInfo1.xml><?xml version="1.0" encoding="utf-8"?>
+<pc:chgInfo xmlns:a="http://schemas.openxmlformats.org/drawingml/2006/main" xmlns:r="http://schemas.openxmlformats.org/officeDocument/2006/relationships" xmlns:ac="http://schemas.microsoft.com/office/drawing/2013/main/command" xmlns:pc="http://schemas.microsoft.com/office/powerpoint/2013/main/command">
+  <pc:docChgLst>
+    <pc:chgData name="Rui Xx" userId="bc1175b7714568f9" providerId="LiveId" clId="{2B5C2695-125B-4819-ACE7-1C3D0A091C10}"/>
+    <pc:docChg chg="undo custSel modSld">
+      <pc:chgData name="Rui Xx" userId="bc1175b7714568f9" providerId="LiveId" clId="{2B5C2695-125B-4819-ACE7-1C3D0A091C10}" dt="2020-07-09T07:11:23.148" v="412" actId="1076"/>
+      <pc:docMkLst>
+        <pc:docMk/>
+      </pc:docMkLst>
+      <pc:sldChg chg="addSp delSp modSp">
+        <pc:chgData name="Rui Xx" userId="bc1175b7714568f9" providerId="LiveId" clId="{2B5C2695-125B-4819-ACE7-1C3D0A091C10}" dt="2020-07-09T07:11:23.148" v="412" actId="1076"/>
+        <pc:sldMkLst>
+          <pc:docMk/>
+          <pc:sldMk cId="3728578281" sldId="257"/>
+        </pc:sldMkLst>
+        <pc:spChg chg="mod">
+          <ac:chgData name="Rui Xx" userId="bc1175b7714568f9" providerId="LiveId" clId="{2B5C2695-125B-4819-ACE7-1C3D0A091C10}" dt="2020-07-09T06:16:14.774" v="253" actId="1076"/>
+          <ac:spMkLst>
+            <pc:docMk/>
+            <pc:sldMk cId="3728578281" sldId="257"/>
+            <ac:spMk id="2" creationId="{5594F8DA-A52F-2742-8FD0-F9D0A7467AFB}"/>
+          </ac:spMkLst>
+        </pc:spChg>
+        <pc:spChg chg="add mod">
+          <ac:chgData name="Rui Xx" userId="bc1175b7714568f9" providerId="LiveId" clId="{2B5C2695-125B-4819-ACE7-1C3D0A091C10}" dt="2020-07-09T06:24:11.306" v="314" actId="14100"/>
+          <ac:spMkLst>
+            <pc:docMk/>
+            <pc:sldMk cId="3728578281" sldId="257"/>
+            <ac:spMk id="49" creationId="{7BB37D09-399D-49C1-BDB7-178E195730CD}"/>
+          </ac:spMkLst>
+        </pc:spChg>
+        <pc:spChg chg="mod">
+          <ac:chgData name="Rui Xx" userId="bc1175b7714568f9" providerId="LiveId" clId="{2B5C2695-125B-4819-ACE7-1C3D0A091C10}" dt="2020-07-09T05:59:13.993" v="140" actId="1076"/>
+          <ac:spMkLst>
+            <pc:docMk/>
+            <pc:sldMk cId="3728578281" sldId="257"/>
+            <ac:spMk id="60" creationId="{DA4344FE-068C-7A43-A261-495017B7BDBA}"/>
+          </ac:spMkLst>
+        </pc:spChg>
+        <pc:spChg chg="mod">
+          <ac:chgData name="Rui Xx" userId="bc1175b7714568f9" providerId="LiveId" clId="{2B5C2695-125B-4819-ACE7-1C3D0A091C10}" dt="2020-07-09T06:01:47.274" v="148" actId="1076"/>
+          <ac:spMkLst>
+            <pc:docMk/>
+            <pc:sldMk cId="3728578281" sldId="257"/>
+            <ac:spMk id="61" creationId="{DD7AF305-5CA3-C749-A5E5-7F69251A3EB1}"/>
+          </ac:spMkLst>
+        </pc:spChg>
+        <pc:spChg chg="mod">
+          <ac:chgData name="Rui Xx" userId="bc1175b7714568f9" providerId="LiveId" clId="{2B5C2695-125B-4819-ACE7-1C3D0A091C10}" dt="2020-07-09T06:13:20.322" v="219" actId="1036"/>
+          <ac:spMkLst>
+            <pc:docMk/>
+            <pc:sldMk cId="3728578281" sldId="257"/>
+            <ac:spMk id="67" creationId="{424CE076-B9D7-C148-87B1-B55A54E4E81E}"/>
+          </ac:spMkLst>
+        </pc:spChg>
+        <pc:spChg chg="del mod">
+          <ac:chgData name="Rui Xx" userId="bc1175b7714568f9" providerId="LiveId" clId="{2B5C2695-125B-4819-ACE7-1C3D0A091C10}" dt="2020-07-09T06:16:43.744" v="257"/>
+          <ac:spMkLst>
+            <pc:docMk/>
+            <pc:sldMk cId="3728578281" sldId="257"/>
+            <ac:spMk id="89" creationId="{FB735FB5-3FE0-1741-9886-0CCA0A623EAB}"/>
+          </ac:spMkLst>
+        </pc:spChg>
+        <pc:spChg chg="mod">
+          <ac:chgData name="Rui Xx" userId="bc1175b7714568f9" providerId="LiveId" clId="{2B5C2695-125B-4819-ACE7-1C3D0A091C10}" dt="2020-07-09T06:22:41.509" v="304" actId="692"/>
+          <ac:spMkLst>
+            <pc:docMk/>
+            <pc:sldMk cId="3728578281" sldId="257"/>
+            <ac:spMk id="150" creationId="{D5356C9B-CC54-394F-8357-F7B094CC3F90}"/>
+          </ac:spMkLst>
+        </pc:spChg>
+        <pc:spChg chg="mod">
+          <ac:chgData name="Rui Xx" userId="bc1175b7714568f9" providerId="LiveId" clId="{2B5C2695-125B-4819-ACE7-1C3D0A091C10}" dt="2020-07-09T06:35:05.659" v="383" actId="1076"/>
+          <ac:spMkLst>
+            <pc:docMk/>
+            <pc:sldMk cId="3728578281" sldId="257"/>
+            <ac:spMk id="156" creationId="{3D194435-2096-9144-BD15-6FF09888EF4D}"/>
+          </ac:spMkLst>
+        </pc:spChg>
+        <pc:spChg chg="mod">
+          <ac:chgData name="Rui Xx" userId="bc1175b7714568f9" providerId="LiveId" clId="{2B5C2695-125B-4819-ACE7-1C3D0A091C10}" dt="2020-07-09T06:13:12.713" v="218" actId="1036"/>
+          <ac:spMkLst>
+            <pc:docMk/>
+            <pc:sldMk cId="3728578281" sldId="257"/>
+            <ac:spMk id="159" creationId="{49F2FD2C-6809-BE46-96C4-C980950522D6}"/>
+          </ac:spMkLst>
+        </pc:spChg>
+        <pc:spChg chg="mod">
+          <ac:chgData name="Rui Xx" userId="bc1175b7714568f9" providerId="LiveId" clId="{2B5C2695-125B-4819-ACE7-1C3D0A091C10}" dt="2020-07-09T05:43:17.331" v="23" actId="1038"/>
+          <ac:spMkLst>
+            <pc:docMk/>
+            <pc:sldMk cId="3728578281" sldId="257"/>
+            <ac:spMk id="182" creationId="{315B4091-C98A-BA49-A6A0-82241BEC7AA9}"/>
+          </ac:spMkLst>
+        </pc:spChg>
+        <pc:spChg chg="mod">
+          <ac:chgData name="Rui Xx" userId="bc1175b7714568f9" providerId="LiveId" clId="{2B5C2695-125B-4819-ACE7-1C3D0A091C10}" dt="2020-07-09T06:34:52.987" v="381" actId="1076"/>
+          <ac:spMkLst>
+            <pc:docMk/>
+            <pc:sldMk cId="3728578281" sldId="257"/>
+            <ac:spMk id="184" creationId="{F304C0C2-89C2-844E-B4EB-0FA2AAEF4BB5}"/>
+          </ac:spMkLst>
+        </pc:spChg>
+        <pc:spChg chg="mod">
+          <ac:chgData name="Rui Xx" userId="bc1175b7714568f9" providerId="LiveId" clId="{2B5C2695-125B-4819-ACE7-1C3D0A091C10}" dt="2020-07-09T06:36:51.958" v="402" actId="20577"/>
+          <ac:spMkLst>
+            <pc:docMk/>
+            <pc:sldMk cId="3728578281" sldId="257"/>
+            <ac:spMk id="186" creationId="{D261D2CF-BBC9-F048-BCC8-93E87EDBA44D}"/>
+          </ac:spMkLst>
+        </pc:spChg>
+        <pc:spChg chg="mod">
+          <ac:chgData name="Rui Xx" userId="bc1175b7714568f9" providerId="LiveId" clId="{2B5C2695-125B-4819-ACE7-1C3D0A091C10}" dt="2020-07-09T06:37:11.159" v="406" actId="20577"/>
+          <ac:spMkLst>
+            <pc:docMk/>
+            <pc:sldMk cId="3728578281" sldId="257"/>
+            <ac:spMk id="187" creationId="{B1C8308E-7844-2149-98CC-51ACB55D782D}"/>
+          </ac:spMkLst>
+        </pc:spChg>
+        <pc:spChg chg="mod">
+          <ac:chgData name="Rui Xx" userId="bc1175b7714568f9" providerId="LiveId" clId="{2B5C2695-125B-4819-ACE7-1C3D0A091C10}" dt="2020-07-09T06:13:52.931" v="222" actId="1076"/>
+          <ac:spMkLst>
+            <pc:docMk/>
+            <pc:sldMk cId="3728578281" sldId="257"/>
+            <ac:spMk id="189" creationId="{285D1E96-8BF3-364F-B478-A3F12CFAFA4C}"/>
+          </ac:spMkLst>
+        </pc:spChg>
+        <pc:spChg chg="mod">
+          <ac:chgData name="Rui Xx" userId="bc1175b7714568f9" providerId="LiveId" clId="{2B5C2695-125B-4819-ACE7-1C3D0A091C10}" dt="2020-07-09T06:28:44.706" v="360" actId="14100"/>
+          <ac:spMkLst>
+            <pc:docMk/>
+            <pc:sldMk cId="3728578281" sldId="257"/>
+            <ac:spMk id="196" creationId="{068DE100-C446-974D-BEF1-100C64C78FD7}"/>
+          </ac:spMkLst>
+        </pc:spChg>
+        <pc:spChg chg="mod">
+          <ac:chgData name="Rui Xx" userId="bc1175b7714568f9" providerId="LiveId" clId="{2B5C2695-125B-4819-ACE7-1C3D0A091C10}" dt="2020-07-09T06:15:36.618" v="246" actId="1076"/>
+          <ac:spMkLst>
+            <pc:docMk/>
+            <pc:sldMk cId="3728578281" sldId="257"/>
+            <ac:spMk id="197" creationId="{6E19D266-354D-9B4A-9301-4924D2A27947}"/>
+          </ac:spMkLst>
+        </pc:spChg>
+        <pc:spChg chg="mod">
+          <ac:chgData name="Rui Xx" userId="bc1175b7714568f9" providerId="LiveId" clId="{2B5C2695-125B-4819-ACE7-1C3D0A091C10}" dt="2020-07-09T06:28:35.175" v="357" actId="14100"/>
+          <ac:spMkLst>
+            <pc:docMk/>
+            <pc:sldMk cId="3728578281" sldId="257"/>
+            <ac:spMk id="198" creationId="{E1F206D7-ABFF-2845-9DD3-259091AF4904}"/>
+          </ac:spMkLst>
+        </pc:spChg>
+        <pc:spChg chg="mod">
+          <ac:chgData name="Rui Xx" userId="bc1175b7714568f9" providerId="LiveId" clId="{2B5C2695-125B-4819-ACE7-1C3D0A091C10}" dt="2020-07-09T06:15:46.353" v="247" actId="1076"/>
+          <ac:spMkLst>
+            <pc:docMk/>
+            <pc:sldMk cId="3728578281" sldId="257"/>
+            <ac:spMk id="199" creationId="{1EEF7C2E-6FD0-414D-BB66-D10A7AF85E20}"/>
+          </ac:spMkLst>
+        </pc:spChg>
+        <pc:spChg chg="mod">
+          <ac:chgData name="Rui Xx" userId="bc1175b7714568f9" providerId="LiveId" clId="{2B5C2695-125B-4819-ACE7-1C3D0A091C10}" dt="2020-07-09T07:00:30.709" v="407" actId="14100"/>
+          <ac:spMkLst>
+            <pc:docMk/>
+            <pc:sldMk cId="3728578281" sldId="257"/>
+            <ac:spMk id="204" creationId="{AE5CBF03-CFD9-3545-A25E-135E83436256}"/>
+          </ac:spMkLst>
+        </pc:spChg>
+        <pc:spChg chg="mod">
+          <ac:chgData name="Rui Xx" userId="bc1175b7714568f9" providerId="LiveId" clId="{2B5C2695-125B-4819-ACE7-1C3D0A091C10}" dt="2020-07-09T07:00:36.991" v="408" actId="1076"/>
+          <ac:spMkLst>
+            <pc:docMk/>
+            <pc:sldMk cId="3728578281" sldId="257"/>
+            <ac:spMk id="205" creationId="{84AED064-78CF-1B4A-AC3F-EA8FBF183D02}"/>
+          </ac:spMkLst>
+        </pc:spChg>
+        <pc:spChg chg="mod">
+          <ac:chgData name="Rui Xx" userId="bc1175b7714568f9" providerId="LiveId" clId="{2B5C2695-125B-4819-ACE7-1C3D0A091C10}" dt="2020-07-09T06:36:34.284" v="395" actId="114"/>
+          <ac:spMkLst>
+            <pc:docMk/>
+            <pc:sldMk cId="3728578281" sldId="257"/>
+            <ac:spMk id="206" creationId="{1B7AE662-55E4-0641-A9F0-DD62687F2636}"/>
+          </ac:spMkLst>
+        </pc:spChg>
+        <pc:cxnChg chg="mod">
+          <ac:chgData name="Rui Xx" userId="bc1175b7714568f9" providerId="LiveId" clId="{2B5C2695-125B-4819-ACE7-1C3D0A091C10}" dt="2020-07-09T06:01:44.463" v="147" actId="14100"/>
+          <ac:cxnSpMkLst>
+            <pc:docMk/>
+            <pc:sldMk cId="3728578281" sldId="257"/>
+            <ac:cxnSpMk id="32" creationId="{052C5FC0-1481-0244-A7F5-3D5D47F7BD9F}"/>
+          </ac:cxnSpMkLst>
+        </pc:cxnChg>
+        <pc:cxnChg chg="mod">
+          <ac:chgData name="Rui Xx" userId="bc1175b7714568f9" providerId="LiveId" clId="{2B5C2695-125B-4819-ACE7-1C3D0A091C10}" dt="2020-07-09T05:58:16.603" v="136" actId="14100"/>
+          <ac:cxnSpMkLst>
+            <pc:docMk/>
+            <pc:sldMk cId="3728578281" sldId="257"/>
+            <ac:cxnSpMk id="33" creationId="{074F2F78-F7FA-984C-AA36-4CDA50B8009B}"/>
+          </ac:cxnSpMkLst>
+        </pc:cxnChg>
+        <pc:cxnChg chg="add mod">
+          <ac:chgData name="Rui Xx" userId="bc1175b7714568f9" providerId="LiveId" clId="{2B5C2695-125B-4819-ACE7-1C3D0A091C10}" dt="2020-07-09T05:57:52.993" v="134" actId="1076"/>
+          <ac:cxnSpMkLst>
+            <pc:docMk/>
+            <pc:sldMk cId="3728578281" sldId="257"/>
+            <ac:cxnSpMk id="55" creationId="{A738E288-2468-41F2-8BA7-AA0F35FEBFFE}"/>
+          </ac:cxnSpMkLst>
+        </pc:cxnChg>
+        <pc:cxnChg chg="add del mod">
+          <ac:chgData name="Rui Xx" userId="bc1175b7714568f9" providerId="LiveId" clId="{2B5C2695-125B-4819-ACE7-1C3D0A091C10}" dt="2020-07-09T06:26:18.180" v="347" actId="478"/>
+          <ac:cxnSpMkLst>
+            <pc:docMk/>
+            <pc:sldMk cId="3728578281" sldId="257"/>
+            <ac:cxnSpMk id="75" creationId="{E6C96D2C-2D34-4836-81E8-7BFE2399C42F}"/>
+          </ac:cxnSpMkLst>
+        </pc:cxnChg>
+        <pc:cxnChg chg="add del mod">
+          <ac:chgData name="Rui Xx" userId="bc1175b7714568f9" providerId="LiveId" clId="{2B5C2695-125B-4819-ACE7-1C3D0A091C10}" dt="2020-07-09T06:34:29.971" v="376" actId="478"/>
+          <ac:cxnSpMkLst>
+            <pc:docMk/>
+            <pc:sldMk cId="3728578281" sldId="257"/>
+            <ac:cxnSpMk id="77" creationId="{E6730D27-A252-40AF-B4A8-46380A68E865}"/>
+          </ac:cxnSpMkLst>
+        </pc:cxnChg>
+        <pc:cxnChg chg="del">
+          <ac:chgData name="Rui Xx" userId="bc1175b7714568f9" providerId="LiveId" clId="{2B5C2695-125B-4819-ACE7-1C3D0A091C10}" dt="2020-07-09T06:16:56.181" v="258" actId="478"/>
+          <ac:cxnSpMkLst>
+            <pc:docMk/>
+            <pc:sldMk cId="3728578281" sldId="257"/>
+            <ac:cxnSpMk id="91" creationId="{314CE2B6-BF31-F340-B2D3-24B96C8FEB44}"/>
+          </ac:cxnSpMkLst>
+        </pc:cxnChg>
+        <pc:cxnChg chg="mod">
+          <ac:chgData name="Rui Xx" userId="bc1175b7714568f9" providerId="LiveId" clId="{2B5C2695-125B-4819-ACE7-1C3D0A091C10}" dt="2020-07-09T05:49:31.119" v="83" actId="1037"/>
+          <ac:cxnSpMkLst>
+            <pc:docMk/>
+            <pc:sldMk cId="3728578281" sldId="257"/>
+            <ac:cxnSpMk id="102" creationId="{5F1501DC-78D8-9840-8EF3-4DBBEC16D49D}"/>
+          </ac:cxnSpMkLst>
+        </pc:cxnChg>
+        <pc:cxnChg chg="mod">
+          <ac:chgData name="Rui Xx" userId="bc1175b7714568f9" providerId="LiveId" clId="{2B5C2695-125B-4819-ACE7-1C3D0A091C10}" dt="2020-07-09T06:30:05.504" v="363" actId="692"/>
+          <ac:cxnSpMkLst>
+            <pc:docMk/>
+            <pc:sldMk cId="3728578281" sldId="257"/>
+            <ac:cxnSpMk id="110" creationId="{FEA7454C-0D1E-C749-A3E4-9071948268B3}"/>
+          </ac:cxnSpMkLst>
+        </pc:cxnChg>
+        <pc:cxnChg chg="mod">
+          <ac:chgData name="Rui Xx" userId="bc1175b7714568f9" providerId="LiveId" clId="{2B5C2695-125B-4819-ACE7-1C3D0A091C10}" dt="2020-07-09T06:13:45.198" v="221" actId="1036"/>
+          <ac:cxnSpMkLst>
+            <pc:docMk/>
+            <pc:sldMk cId="3728578281" sldId="257"/>
+            <ac:cxnSpMk id="115" creationId="{7391DA2D-0F03-BD42-A905-F3B45E7BFDEF}"/>
+          </ac:cxnSpMkLst>
+        </pc:cxnChg>
+        <pc:cxnChg chg="del mod">
+          <ac:chgData name="Rui Xx" userId="bc1175b7714568f9" providerId="LiveId" clId="{2B5C2695-125B-4819-ACE7-1C3D0A091C10}" dt="2020-07-09T05:54:32.025" v="118" actId="478"/>
+          <ac:cxnSpMkLst>
+            <pc:docMk/>
+            <pc:sldMk cId="3728578281" sldId="257"/>
+            <ac:cxnSpMk id="124" creationId="{6BCF07AE-1404-4147-8334-2F0D323A981A}"/>
+          </ac:cxnSpMkLst>
+        </pc:cxnChg>
+        <pc:cxnChg chg="mod">
+          <ac:chgData name="Rui Xx" userId="bc1175b7714568f9" providerId="LiveId" clId="{2B5C2695-125B-4819-ACE7-1C3D0A091C10}" dt="2020-07-09T07:11:23.148" v="412" actId="1076"/>
+          <ac:cxnSpMkLst>
+            <pc:docMk/>
+            <pc:sldMk cId="3728578281" sldId="257"/>
+            <ac:cxnSpMk id="151" creationId="{1BCBD7A9-A6F6-DA4D-B811-85414CFE4A91}"/>
+          </ac:cxnSpMkLst>
+        </pc:cxnChg>
+        <pc:cxnChg chg="mod">
+          <ac:chgData name="Rui Xx" userId="bc1175b7714568f9" providerId="LiveId" clId="{2B5C2695-125B-4819-ACE7-1C3D0A091C10}" dt="2020-07-09T06:35:00.925" v="382" actId="1076"/>
+          <ac:cxnSpMkLst>
+            <pc:docMk/>
+            <pc:sldMk cId="3728578281" sldId="257"/>
+            <ac:cxnSpMk id="155" creationId="{79C35472-6D23-A641-9751-B0795FAE75BF}"/>
+          </ac:cxnSpMkLst>
+        </pc:cxnChg>
+        <pc:cxnChg chg="mod">
+          <ac:chgData name="Rui Xx" userId="bc1175b7714568f9" providerId="LiveId" clId="{2B5C2695-125B-4819-ACE7-1C3D0A091C10}" dt="2020-07-09T06:27:22.425" v="350" actId="1076"/>
+          <ac:cxnSpMkLst>
+            <pc:docMk/>
+            <pc:sldMk cId="3728578281" sldId="257"/>
+            <ac:cxnSpMk id="169" creationId="{46E7738C-00C4-CA4D-BCA2-7FB1E58DBA80}"/>
+          </ac:cxnSpMkLst>
+        </pc:cxnChg>
+        <pc:cxnChg chg="mod">
+          <ac:chgData name="Rui Xx" userId="bc1175b7714568f9" providerId="LiveId" clId="{2B5C2695-125B-4819-ACE7-1C3D0A091C10}" dt="2020-07-09T06:34:50.518" v="380" actId="1076"/>
+          <ac:cxnSpMkLst>
+            <pc:docMk/>
+            <pc:sldMk cId="3728578281" sldId="257"/>
+            <ac:cxnSpMk id="176" creationId="{9F205EEC-BF25-C649-B98F-2E02B2CCF9F9}"/>
+          </ac:cxnSpMkLst>
+        </pc:cxnChg>
+        <pc:cxnChg chg="mod">
+          <ac:chgData name="Rui Xx" userId="bc1175b7714568f9" providerId="LiveId" clId="{2B5C2695-125B-4819-ACE7-1C3D0A091C10}" dt="2020-07-09T06:30:42.223" v="365" actId="692"/>
+          <ac:cxnSpMkLst>
+            <pc:docMk/>
+            <pc:sldMk cId="3728578281" sldId="257"/>
+            <ac:cxnSpMk id="193" creationId="{6DCA0CB7-0C37-0C4B-BD98-FE0724068487}"/>
+          </ac:cxnSpMkLst>
+        </pc:cxnChg>
+      </pc:sldChg>
+    </pc:docChg>
+  </pc:docChgLst>
+</pc:chgInfo>
+</file>
+
 <file path=ppt/slideLayouts/slideLayout1.xml><?xml version="1.0" encoding="utf-8"?>
 <p:sldLayout xmlns:a="http://schemas.openxmlformats.org/drawingml/2006/main" xmlns:r="http://schemas.openxmlformats.org/officeDocument/2006/relationships" xmlns:p="http://schemas.openxmlformats.org/presentationml/2006/main" type="title" preserve="1">
   <p:cSld name="标题幻灯片">
@@ -260,7 +569,7 @@
           <a:p>
             <a:fld id="{212F00D6-3642-7F43-BFBF-BFE7ADB0005A}" type="datetimeFigureOut">
               <a:rPr kumimoji="1" lang="zh-CN" altLang="en-US" smtClean="0"/>
-              <a:t>2020/7/4</a:t>
+              <a:t>2020/7/9</a:t>
             </a:fld>
             <a:endParaRPr kumimoji="1" lang="zh-CN" altLang="en-US"/>
           </a:p>
@@ -458,7 +767,7 @@
           <a:p>
             <a:fld id="{212F00D6-3642-7F43-BFBF-BFE7ADB0005A}" type="datetimeFigureOut">
               <a:rPr kumimoji="1" lang="zh-CN" altLang="en-US" smtClean="0"/>
-              <a:t>2020/7/4</a:t>
+              <a:t>2020/7/9</a:t>
             </a:fld>
             <a:endParaRPr kumimoji="1" lang="zh-CN" altLang="en-US"/>
           </a:p>
@@ -666,7 +975,7 @@
           <a:p>
             <a:fld id="{212F00D6-3642-7F43-BFBF-BFE7ADB0005A}" type="datetimeFigureOut">
               <a:rPr kumimoji="1" lang="zh-CN" altLang="en-US" smtClean="0"/>
-              <a:t>2020/7/4</a:t>
+              <a:t>2020/7/9</a:t>
             </a:fld>
             <a:endParaRPr kumimoji="1" lang="zh-CN" altLang="en-US"/>
           </a:p>
@@ -864,7 +1173,7 @@
           <a:p>
             <a:fld id="{212F00D6-3642-7F43-BFBF-BFE7ADB0005A}" type="datetimeFigureOut">
               <a:rPr kumimoji="1" lang="zh-CN" altLang="en-US" smtClean="0"/>
-              <a:t>2020/7/4</a:t>
+              <a:t>2020/7/9</a:t>
             </a:fld>
             <a:endParaRPr kumimoji="1" lang="zh-CN" altLang="en-US"/>
           </a:p>
@@ -1139,7 +1448,7 @@
           <a:p>
             <a:fld id="{212F00D6-3642-7F43-BFBF-BFE7ADB0005A}" type="datetimeFigureOut">
               <a:rPr kumimoji="1" lang="zh-CN" altLang="en-US" smtClean="0"/>
-              <a:t>2020/7/4</a:t>
+              <a:t>2020/7/9</a:t>
             </a:fld>
             <a:endParaRPr kumimoji="1" lang="zh-CN" altLang="en-US"/>
           </a:p>
@@ -1404,7 +1713,7 @@
           <a:p>
             <a:fld id="{212F00D6-3642-7F43-BFBF-BFE7ADB0005A}" type="datetimeFigureOut">
               <a:rPr kumimoji="1" lang="zh-CN" altLang="en-US" smtClean="0"/>
-              <a:t>2020/7/4</a:t>
+              <a:t>2020/7/9</a:t>
             </a:fld>
             <a:endParaRPr kumimoji="1" lang="zh-CN" altLang="en-US"/>
           </a:p>
@@ -1816,7 +2125,7 @@
           <a:p>
             <a:fld id="{212F00D6-3642-7F43-BFBF-BFE7ADB0005A}" type="datetimeFigureOut">
               <a:rPr kumimoji="1" lang="zh-CN" altLang="en-US" smtClean="0"/>
-              <a:t>2020/7/4</a:t>
+              <a:t>2020/7/9</a:t>
             </a:fld>
             <a:endParaRPr kumimoji="1" lang="zh-CN" altLang="en-US"/>
           </a:p>
@@ -1957,7 +2266,7 @@
           <a:p>
             <a:fld id="{212F00D6-3642-7F43-BFBF-BFE7ADB0005A}" type="datetimeFigureOut">
               <a:rPr kumimoji="1" lang="zh-CN" altLang="en-US" smtClean="0"/>
-              <a:t>2020/7/4</a:t>
+              <a:t>2020/7/9</a:t>
             </a:fld>
             <a:endParaRPr kumimoji="1" lang="zh-CN" altLang="en-US"/>
           </a:p>
@@ -2070,7 +2379,7 @@
           <a:p>
             <a:fld id="{212F00D6-3642-7F43-BFBF-BFE7ADB0005A}" type="datetimeFigureOut">
               <a:rPr kumimoji="1" lang="zh-CN" altLang="en-US" smtClean="0"/>
-              <a:t>2020/7/4</a:t>
+              <a:t>2020/7/9</a:t>
             </a:fld>
             <a:endParaRPr kumimoji="1" lang="zh-CN" altLang="en-US"/>
           </a:p>
@@ -2381,7 +2690,7 @@
           <a:p>
             <a:fld id="{212F00D6-3642-7F43-BFBF-BFE7ADB0005A}" type="datetimeFigureOut">
               <a:rPr kumimoji="1" lang="zh-CN" altLang="en-US" smtClean="0"/>
-              <a:t>2020/7/4</a:t>
+              <a:t>2020/7/9</a:t>
             </a:fld>
             <a:endParaRPr kumimoji="1" lang="zh-CN" altLang="en-US"/>
           </a:p>
@@ -2669,7 +2978,7 @@
           <a:p>
             <a:fld id="{212F00D6-3642-7F43-BFBF-BFE7ADB0005A}" type="datetimeFigureOut">
               <a:rPr kumimoji="1" lang="zh-CN" altLang="en-US" smtClean="0"/>
-              <a:t>2020/7/4</a:t>
+              <a:t>2020/7/9</a:t>
             </a:fld>
             <a:endParaRPr kumimoji="1" lang="zh-CN" altLang="en-US"/>
           </a:p>
@@ -2910,7 +3219,7 @@
           <a:p>
             <a:fld id="{212F00D6-3642-7F43-BFBF-BFE7ADB0005A}" type="datetimeFigureOut">
               <a:rPr kumimoji="1" lang="zh-CN" altLang="en-US" smtClean="0"/>
-              <a:t>2020/7/4</a:t>
+              <a:t>2020/7/9</a:t>
             </a:fld>
             <a:endParaRPr kumimoji="1" lang="zh-CN" altLang="en-US"/>
           </a:p>
@@ -3401,7 +3710,7 @@
         </p:nvSpPr>
         <p:spPr>
           <a:xfrm rot="5400000">
-            <a:off x="8711182" y="1224315"/>
+            <a:off x="8740057" y="1224315"/>
             <a:ext cx="166917" cy="611100"/>
           </a:xfrm>
           <a:prstGeom prst="arc">
@@ -3456,7 +3765,7 @@
         </p:nvSpPr>
         <p:spPr>
           <a:xfrm>
-            <a:off x="6697576" y="2326062"/>
+            <a:off x="6690858" y="2335561"/>
             <a:ext cx="4104000" cy="4256295"/>
           </a:xfrm>
           <a:prstGeom prst="ellipse">
@@ -3512,9 +3821,9 @@
           <p:nvPr/>
         </p:nvCxnSpPr>
         <p:spPr>
-          <a:xfrm>
-            <a:off x="8817166" y="4479609"/>
-            <a:ext cx="2690578" cy="12758"/>
+          <a:xfrm flipH="1">
+            <a:off x="8321980" y="4469984"/>
+            <a:ext cx="504813" cy="1035729"/>
           </a:xfrm>
           <a:prstGeom prst="straightConnector1">
             <a:avLst/>
@@ -3557,9 +3866,9 @@
           <p:nvPr/>
         </p:nvCxnSpPr>
         <p:spPr>
-          <a:xfrm flipH="1">
-            <a:off x="6541223" y="4479609"/>
-            <a:ext cx="2281633" cy="1773428"/>
+          <a:xfrm flipH="1" flipV="1">
+            <a:off x="5197314" y="4456654"/>
+            <a:ext cx="3625543" cy="22955"/>
           </a:xfrm>
           <a:prstGeom prst="straightConnector1">
             <a:avLst/>
@@ -3681,7 +3990,7 @@
             </p:nvSpPr>
             <p:spPr>
               <a:xfrm>
-                <a:off x="6194854" y="6151471"/>
+                <a:off x="4959604" y="4581670"/>
                 <a:ext cx="406113" cy="492443"/>
               </a:xfrm>
               <a:prstGeom prst="rect">
@@ -3709,7 +4018,7 @@
                           </a:solidFill>
                           <a:latin typeface="Cambria Math" panose="02040503050406030204" pitchFamily="18" charset="0"/>
                         </a:rPr>
-                        <m:t>𝑥</m:t>
+                        <m:t>𝑋</m:t>
                       </m:r>
                     </m:oMath>
                   </m:oMathPara>
@@ -3736,7 +4045,7 @@
             </p:nvSpPr>
             <p:spPr>
               <a:xfrm>
-                <a:off x="6194854" y="6151471"/>
+                <a:off x="4959604" y="4581670"/>
                 <a:ext cx="406113" cy="492443"/>
               </a:xfrm>
               <a:prstGeom prst="rect">
@@ -3754,7 +4063,7 @@
               <a:lstStyle/>
               <a:p>
                 <a:r>
-                  <a:rPr lang="zh-CN" altLang="en-US">
+                  <a:rPr lang="en-US">
                     <a:noFill/>
                   </a:rPr>
                   <a:t> </a:t>
@@ -3824,7 +4133,7 @@
             </p:nvSpPr>
             <p:spPr>
               <a:xfrm>
-                <a:off x="11457488" y="4189700"/>
+                <a:off x="8447693" y="5269862"/>
                 <a:ext cx="459354" cy="584775"/>
               </a:xfrm>
               <a:prstGeom prst="rect">
@@ -3851,7 +4160,7 @@
                           </a:solidFill>
                           <a:latin typeface="Cambria Math" panose="02040503050406030204" pitchFamily="18" charset="0"/>
                         </a:rPr>
-                        <m:t>𝑦</m:t>
+                        <m:t>𝑌</m:t>
                       </m:r>
                     </m:oMath>
                   </m:oMathPara>
@@ -3878,7 +4187,7 @@
             </p:nvSpPr>
             <p:spPr>
               <a:xfrm>
-                <a:off x="11457488" y="4189700"/>
+                <a:off x="8447693" y="5269862"/>
                 <a:ext cx="459354" cy="584775"/>
               </a:xfrm>
               <a:prstGeom prst="rect">
@@ -3887,7 +4196,7 @@
               <a:blipFill>
                 <a:blip r:embed="rId3"/>
                 <a:stretch>
-                  <a:fillRect l="-2703" r="-5405" b="-10638"/>
+                  <a:fillRect/>
                 </a:stretch>
               </a:blipFill>
             </p:spPr>
@@ -3896,7 +4205,7 @@
               <a:lstStyle/>
               <a:p>
                 <a:r>
-                  <a:rPr lang="zh-CN" altLang="en-US">
+                  <a:rPr lang="en-US">
                     <a:noFill/>
                   </a:rPr>
                   <a:t> </a:t>
@@ -4188,10 +4497,10 @@
       </p:sp>
       <p:sp>
         <p:nvSpPr>
-          <p:cNvPr id="89" name="弧 88">
-            <a:extLst>
-              <a:ext uri="{FF2B5EF4-FFF2-40B4-BE49-F238E27FC236}">
-                <a16:creationId xmlns:a16="http://schemas.microsoft.com/office/drawing/2014/main" id="{FB735FB5-3FE0-1741-9886-0CCA0A623EAB}"/>
+          <p:cNvPr id="67" name="椭圆 66">
+            <a:extLst>
+              <a:ext uri="{FF2B5EF4-FFF2-40B4-BE49-F238E27FC236}">
+                <a16:creationId xmlns:a16="http://schemas.microsoft.com/office/drawing/2014/main" id="{424CE076-B9D7-C148-87B1-B55A54E4E81E}"/>
               </a:ext>
             </a:extLst>
           </p:cNvPr>
@@ -4199,61 +4508,8 @@
           <p:nvPr/>
         </p:nvSpPr>
         <p:spPr>
-          <a:xfrm rot="21192706">
-            <a:off x="6996569" y="2261374"/>
-            <a:ext cx="3135160" cy="4335796"/>
-          </a:xfrm>
-          <a:prstGeom prst="arc">
-            <a:avLst>
-              <a:gd name="adj1" fmla="val 16948234"/>
-              <a:gd name="adj2" fmla="val 1356414"/>
-            </a:avLst>
-          </a:prstGeom>
-          <a:ln w="22225">
-            <a:solidFill>
-              <a:schemeClr val="tx1"/>
-            </a:solidFill>
-            <a:prstDash val="solid"/>
-          </a:ln>
-        </p:spPr>
-        <p:style>
-          <a:lnRef idx="1">
-            <a:schemeClr val="accent1"/>
-          </a:lnRef>
-          <a:fillRef idx="0">
-            <a:schemeClr val="accent1"/>
-          </a:fillRef>
-          <a:effectRef idx="0">
-            <a:schemeClr val="accent1"/>
-          </a:effectRef>
-          <a:fontRef idx="minor">
-            <a:schemeClr val="tx1"/>
-          </a:fontRef>
-        </p:style>
-        <p:txBody>
-          <a:bodyPr rtlCol="0" anchor="ctr"/>
-          <a:lstStyle/>
-          <a:p>
-            <a:pPr algn="ctr"/>
-            <a:endParaRPr kumimoji="1" lang="zh-CN" altLang="en-US"/>
-          </a:p>
-        </p:txBody>
-      </p:sp>
-      <p:sp>
-        <p:nvSpPr>
-          <p:cNvPr id="67" name="椭圆 66">
-            <a:extLst>
-              <a:ext uri="{FF2B5EF4-FFF2-40B4-BE49-F238E27FC236}">
-                <a16:creationId xmlns:a16="http://schemas.microsoft.com/office/drawing/2014/main" id="{424CE076-B9D7-C148-87B1-B55A54E4E81E}"/>
-              </a:ext>
-            </a:extLst>
-          </p:cNvPr>
-          <p:cNvSpPr/>
-          <p:nvPr/>
-        </p:nvSpPr>
-        <p:spPr>
           <a:xfrm rot="2073853">
-            <a:off x="9707405" y="3203576"/>
+            <a:off x="9707405" y="3213201"/>
             <a:ext cx="252000" cy="144000"/>
           </a:xfrm>
           <a:prstGeom prst="ellipse">
@@ -4295,50 +4551,6 @@
       </p:sp>
       <p:cxnSp>
         <p:nvCxnSpPr>
-          <p:cNvPr id="91" name="直线连接符 90">
-            <a:extLst>
-              <a:ext uri="{FF2B5EF4-FFF2-40B4-BE49-F238E27FC236}">
-                <a16:creationId xmlns:a16="http://schemas.microsoft.com/office/drawing/2014/main" id="{314CE2B6-BF31-F340-B2D3-24B96C8FEB44}"/>
-              </a:ext>
-            </a:extLst>
-          </p:cNvPr>
-          <p:cNvCxnSpPr>
-            <a:cxnSpLocks/>
-          </p:cNvCxnSpPr>
-          <p:nvPr/>
-        </p:nvCxnSpPr>
-        <p:spPr>
-          <a:xfrm flipH="1" flipV="1">
-            <a:off x="8825455" y="4479609"/>
-            <a:ext cx="1306791" cy="384159"/>
-          </a:xfrm>
-          <a:prstGeom prst="line">
-            <a:avLst/>
-          </a:prstGeom>
-          <a:ln w="19050">
-            <a:solidFill>
-              <a:srgbClr val="7030A0"/>
-            </a:solidFill>
-            <a:prstDash val="lgDash"/>
-          </a:ln>
-        </p:spPr>
-        <p:style>
-          <a:lnRef idx="1">
-            <a:schemeClr val="accent6"/>
-          </a:lnRef>
-          <a:fillRef idx="0">
-            <a:schemeClr val="accent6"/>
-          </a:fillRef>
-          <a:effectRef idx="0">
-            <a:schemeClr val="accent6"/>
-          </a:effectRef>
-          <a:fontRef idx="minor">
-            <a:schemeClr val="tx1"/>
-          </a:fontRef>
-        </p:style>
-      </p:cxnSp>
-      <p:cxnSp>
-        <p:nvCxnSpPr>
           <p:cNvPr id="102" name="直线箭头连接符 101">
             <a:extLst>
               <a:ext uri="{FF2B5EF4-FFF2-40B4-BE49-F238E27FC236}">
@@ -4353,7 +4565,7 @@
         </p:nvCxnSpPr>
         <p:spPr>
           <a:xfrm flipV="1">
-            <a:off x="9826023" y="1833841"/>
+            <a:off x="9816398" y="1824216"/>
             <a:ext cx="1224413" cy="1464527"/>
           </a:xfrm>
           <a:prstGeom prst="straightConnector1">
@@ -4397,15 +4609,15 @@
         </p:nvCxnSpPr>
         <p:spPr>
           <a:xfrm flipH="1" flipV="1">
-            <a:off x="9688797" y="1818350"/>
-            <a:ext cx="174261" cy="1462431"/>
+            <a:off x="8882576" y="2172626"/>
+            <a:ext cx="951611" cy="1098534"/>
           </a:xfrm>
           <a:prstGeom prst="straightConnector1">
             <a:avLst/>
           </a:prstGeom>
           <a:ln w="19050">
             <a:solidFill>
-              <a:schemeClr val="tx1"/>
+              <a:srgbClr val="00B050"/>
             </a:solidFill>
             <a:headEnd type="none"/>
             <a:tailEnd type="arrow"/>
@@ -4442,8 +4654,8 @@
         </p:nvCxnSpPr>
         <p:spPr>
           <a:xfrm flipV="1">
-            <a:off x="9817664" y="2718486"/>
-            <a:ext cx="1232772" cy="568772"/>
+            <a:off x="9853437" y="2912515"/>
+            <a:ext cx="867163" cy="375773"/>
           </a:xfrm>
           <a:prstGeom prst="straightConnector1">
             <a:avLst/>
@@ -4470,12 +4682,65 @@
           </a:fontRef>
         </p:style>
       </p:cxnSp>
+      <p:sp>
+        <p:nvSpPr>
+          <p:cNvPr id="150" name="弧 149">
+            <a:extLst>
+              <a:ext uri="{FF2B5EF4-FFF2-40B4-BE49-F238E27FC236}">
+                <a16:creationId xmlns:a16="http://schemas.microsoft.com/office/drawing/2014/main" id="{D5356C9B-CC54-394F-8357-F7B094CC3F90}"/>
+              </a:ext>
+            </a:extLst>
+          </p:cNvPr>
+          <p:cNvSpPr/>
+          <p:nvPr/>
+        </p:nvSpPr>
+        <p:spPr>
+          <a:xfrm>
+            <a:off x="5473206" y="2480233"/>
+            <a:ext cx="4777029" cy="3640006"/>
+          </a:xfrm>
+          <a:prstGeom prst="arc">
+            <a:avLst>
+              <a:gd name="adj1" fmla="val 17373721"/>
+              <a:gd name="adj2" fmla="val 19943334"/>
+            </a:avLst>
+          </a:prstGeom>
+          <a:ln w="19050">
+            <a:solidFill>
+              <a:srgbClr val="00B050"/>
+            </a:solidFill>
+            <a:prstDash val="solid"/>
+          </a:ln>
+        </p:spPr>
+        <p:style>
+          <a:lnRef idx="1">
+            <a:schemeClr val="accent1"/>
+          </a:lnRef>
+          <a:fillRef idx="0">
+            <a:schemeClr val="accent1"/>
+          </a:fillRef>
+          <a:effectRef idx="0">
+            <a:schemeClr val="accent1"/>
+          </a:effectRef>
+          <a:fontRef idx="minor">
+            <a:schemeClr val="tx1"/>
+          </a:fontRef>
+        </p:style>
+        <p:txBody>
+          <a:bodyPr rtlCol="0" anchor="ctr"/>
+          <a:lstStyle/>
+          <a:p>
+            <a:pPr algn="ctr"/>
+            <a:endParaRPr kumimoji="1" lang="zh-CN" altLang="en-US"/>
+          </a:p>
+        </p:txBody>
+      </p:sp>
       <p:cxnSp>
         <p:nvCxnSpPr>
-          <p:cNvPr id="124" name="直线连接符 123">
-            <a:extLst>
-              <a:ext uri="{FF2B5EF4-FFF2-40B4-BE49-F238E27FC236}">
-                <a16:creationId xmlns:a16="http://schemas.microsoft.com/office/drawing/2014/main" id="{6BCF07AE-1404-4147-8334-2F0D323A981A}"/>
+          <p:cNvPr id="151" name="直线连接符 150">
+            <a:extLst>
+              <a:ext uri="{FF2B5EF4-FFF2-40B4-BE49-F238E27FC236}">
+                <a16:creationId xmlns:a16="http://schemas.microsoft.com/office/drawing/2014/main" id="{1BCBD7A9-A6F6-DA4D-B811-85414CFE4A91}"/>
               </a:ext>
             </a:extLst>
           </p:cNvPr>
@@ -4486,106 +4751,8 @@
         </p:nvCxnSpPr>
         <p:spPr>
           <a:xfrm flipH="1" flipV="1">
-            <a:off x="2362628" y="3014243"/>
-            <a:ext cx="5505999" cy="1236766"/>
-          </a:xfrm>
-          <a:prstGeom prst="line">
-            <a:avLst/>
-          </a:prstGeom>
-          <a:ln w="19050">
-            <a:solidFill>
-              <a:schemeClr val="tx1"/>
-            </a:solidFill>
-            <a:headEnd type="none"/>
-            <a:tailEnd type="arrow" w="med" len="lg"/>
-          </a:ln>
-        </p:spPr>
-        <p:style>
-          <a:lnRef idx="1">
-            <a:schemeClr val="accent1"/>
-          </a:lnRef>
-          <a:fillRef idx="0">
-            <a:schemeClr val="accent1"/>
-          </a:fillRef>
-          <a:effectRef idx="0">
-            <a:schemeClr val="accent1"/>
-          </a:effectRef>
-          <a:fontRef idx="minor">
-            <a:schemeClr val="tx1"/>
-          </a:fontRef>
-        </p:style>
-      </p:cxnSp>
-      <p:sp>
-        <p:nvSpPr>
-          <p:cNvPr id="150" name="弧 149">
-            <a:extLst>
-              <a:ext uri="{FF2B5EF4-FFF2-40B4-BE49-F238E27FC236}">
-                <a16:creationId xmlns:a16="http://schemas.microsoft.com/office/drawing/2014/main" id="{D5356C9B-CC54-394F-8357-F7B094CC3F90}"/>
-              </a:ext>
-            </a:extLst>
-          </p:cNvPr>
-          <p:cNvSpPr/>
-          <p:nvPr/>
-        </p:nvSpPr>
-        <p:spPr>
-          <a:xfrm rot="20411836">
-            <a:off x="6284143" y="2629395"/>
-            <a:ext cx="3763386" cy="2806886"/>
-          </a:xfrm>
-          <a:prstGeom prst="arc">
-            <a:avLst>
-              <a:gd name="adj1" fmla="val 18835967"/>
-              <a:gd name="adj2" fmla="val 21257717"/>
-            </a:avLst>
-          </a:prstGeom>
-          <a:ln w="22225">
-            <a:solidFill>
-              <a:srgbClr val="00B050"/>
-            </a:solidFill>
-            <a:prstDash val="lgDashDotDot"/>
-          </a:ln>
-        </p:spPr>
-        <p:style>
-          <a:lnRef idx="1">
-            <a:schemeClr val="accent1"/>
-          </a:lnRef>
-          <a:fillRef idx="0">
-            <a:schemeClr val="accent1"/>
-          </a:fillRef>
-          <a:effectRef idx="0">
-            <a:schemeClr val="accent1"/>
-          </a:effectRef>
-          <a:fontRef idx="minor">
-            <a:schemeClr val="tx1"/>
-          </a:fontRef>
-        </p:style>
-        <p:txBody>
-          <a:bodyPr rtlCol="0" anchor="ctr"/>
-          <a:lstStyle/>
-          <a:p>
-            <a:pPr algn="ctr"/>
-            <a:endParaRPr kumimoji="1" lang="zh-CN" altLang="en-US"/>
-          </a:p>
-        </p:txBody>
-      </p:sp>
-      <p:cxnSp>
-        <p:nvCxnSpPr>
-          <p:cNvPr id="151" name="直线连接符 150">
-            <a:extLst>
-              <a:ext uri="{FF2B5EF4-FFF2-40B4-BE49-F238E27FC236}">
-                <a16:creationId xmlns:a16="http://schemas.microsoft.com/office/drawing/2014/main" id="{1BCBD7A9-A6F6-DA4D-B811-85414CFE4A91}"/>
-              </a:ext>
-            </a:extLst>
-          </p:cNvPr>
-          <p:cNvCxnSpPr>
-            <a:cxnSpLocks/>
-          </p:cNvCxnSpPr>
-          <p:nvPr/>
-        </p:nvCxnSpPr>
-        <p:spPr>
-          <a:xfrm flipH="1" flipV="1">
-            <a:off x="2953265" y="1313555"/>
-            <a:ext cx="6029788" cy="1304911"/>
+            <a:off x="3308694" y="1433975"/>
+            <a:ext cx="5212313" cy="1116794"/>
           </a:xfrm>
           <a:prstGeom prst="line">
             <a:avLst/>
@@ -4594,7 +4761,7 @@
             <a:solidFill>
               <a:srgbClr val="00B050"/>
             </a:solidFill>
-            <a:prstDash val="lgDashDot"/>
+            <a:prstDash val="solid"/>
             <a:headEnd type="none"/>
             <a:tailEnd type="arrow" w="med" len="lg"/>
           </a:ln>
@@ -4630,7 +4797,7 @@
             </p:nvSpPr>
             <p:spPr>
               <a:xfrm rot="18312219">
-                <a:off x="5316521" y="2737775"/>
+                <a:off x="2997010" y="2103914"/>
                 <a:ext cx="610349" cy="430887"/>
               </a:xfrm>
               <a:prstGeom prst="rect">
@@ -4682,7 +4849,7 @@
             </p:nvSpPr>
             <p:spPr>
               <a:xfrm rot="18312219">
-                <a:off x="5316521" y="2737775"/>
+                <a:off x="2997010" y="2103914"/>
                 <a:ext cx="610349" cy="430887"/>
               </a:xfrm>
               <a:prstGeom prst="rect">
@@ -4700,7 +4867,7 @@
               <a:lstStyle/>
               <a:p>
                 <a:r>
-                  <a:rPr lang="zh-CN" altLang="en-US">
+                  <a:rPr lang="en-US">
                     <a:noFill/>
                   </a:rPr>
                   <a:t> </a:t>
@@ -4724,7 +4891,7 @@
         </p:nvSpPr>
         <p:spPr>
           <a:xfrm rot="5400000">
-            <a:off x="7931050" y="365181"/>
+            <a:off x="7931050" y="384431"/>
             <a:ext cx="1941553" cy="4104000"/>
           </a:xfrm>
           <a:prstGeom prst="arc">
@@ -4836,8 +5003,8 @@
         </p:nvCxnSpPr>
         <p:spPr>
           <a:xfrm flipH="1" flipV="1">
-            <a:off x="2691083" y="2038614"/>
-            <a:ext cx="4550358" cy="975735"/>
+            <a:off x="2536367" y="1835569"/>
+            <a:ext cx="3830168" cy="834884"/>
           </a:xfrm>
           <a:prstGeom prst="line">
             <a:avLst/>
@@ -4846,7 +5013,7 @@
             <a:solidFill>
               <a:srgbClr val="00B050"/>
             </a:solidFill>
-            <a:prstDash val="lgDashDot"/>
+            <a:prstDash val="solid"/>
             <a:headEnd type="none"/>
             <a:tailEnd type="arrow" w="med" len="lg"/>
           </a:ln>
@@ -4882,7 +5049,7 @@
         </p:nvCxnSpPr>
         <p:spPr>
           <a:xfrm flipH="1">
-            <a:off x="4305823" y="2476184"/>
+            <a:off x="2287788" y="1998504"/>
             <a:ext cx="269919" cy="963457"/>
           </a:xfrm>
           <a:prstGeom prst="straightConnector1">
@@ -4927,8 +5094,8 @@
         </p:nvCxnSpPr>
         <p:spPr>
           <a:xfrm flipH="1">
-            <a:off x="5447651" y="2091283"/>
-            <a:ext cx="926757" cy="1601958"/>
+            <a:off x="3127891" y="1671149"/>
+            <a:ext cx="832879" cy="1465714"/>
           </a:xfrm>
           <a:prstGeom prst="straightConnector1">
             <a:avLst/>
@@ -5072,8 +5239,8 @@
             </p:nvSpPr>
             <p:spPr>
               <a:xfrm rot="16929204">
-                <a:off x="3614581" y="2612052"/>
-                <a:ext cx="974882" cy="523220"/>
+                <a:off x="1806082" y="2075659"/>
+                <a:ext cx="626775" cy="523220"/>
               </a:xfrm>
               <a:prstGeom prst="rect">
                 <a:avLst/>
@@ -5111,13 +5278,10 @@
                         </m:e>
                         <m:sub>
                           <m:r>
-                            <m:rPr>
-                              <m:sty m:val="p"/>
-                            </m:rPr>
                             <a:rPr kumimoji="1" lang="en-US" altLang="zh-CN" sz="2800" b="0" i="0" smtClean="0">
                               <a:latin typeface="Cambria Math" panose="02040503050406030204" pitchFamily="18" charset="0"/>
                             </a:rPr>
-                            <m:t>min</m:t>
+                            <m:t>1</m:t>
                           </m:r>
                         </m:sub>
                       </m:sSub>
@@ -5146,8 +5310,8 @@
             </p:nvSpPr>
             <p:spPr>
               <a:xfrm rot="16929204">
-                <a:off x="3614581" y="2612052"/>
-                <a:ext cx="974882" cy="523220"/>
+                <a:off x="1806082" y="2075659"/>
+                <a:ext cx="626775" cy="523220"/>
               </a:xfrm>
               <a:prstGeom prst="rect">
                 <a:avLst/>
@@ -5164,7 +5328,7 @@
               <a:lstStyle/>
               <a:p>
                 <a:r>
-                  <a:rPr lang="zh-CN" altLang="en-US">
+                  <a:rPr lang="en-US">
                     <a:noFill/>
                   </a:rPr>
                   <a:t> </a:t>
@@ -5232,8 +5396,8 @@
             </p:nvSpPr>
             <p:spPr>
               <a:xfrm>
-                <a:off x="9395867" y="1321044"/>
-                <a:ext cx="582146" cy="461665"/>
+                <a:off x="8816170" y="1773927"/>
+                <a:ext cx="604588" cy="481607"/>
               </a:xfrm>
               <a:prstGeom prst="rect">
                 <a:avLst/>
@@ -5255,32 +5419,44 @@
                       <m:sSub>
                         <m:sSubPr>
                           <m:ctrlPr>
-                            <a:rPr kumimoji="1" lang="en-US" altLang="zh-CN" sz="2400" i="1" smtClean="0">
+                            <a:rPr kumimoji="1" lang="en-US" altLang="zh-CN" sz="2400" b="1" i="1" smtClean="0">
                               <a:latin typeface="Cambria Math" panose="02040503050406030204" pitchFamily="18" charset="0"/>
                             </a:rPr>
                           </m:ctrlPr>
                         </m:sSubPr>
                         <m:e>
-                          <m:r>
-                            <a:rPr kumimoji="1" lang="en-US" altLang="zh-CN" sz="2400" b="0" i="1" smtClean="0">
-                              <a:latin typeface="Cambria Math" panose="02040503050406030204" pitchFamily="18" charset="0"/>
-                            </a:rPr>
-                            <m:t>𝑘</m:t>
-                          </m:r>
+                          <m:acc>
+                            <m:accPr>
+                              <m:chr m:val="̂"/>
+                              <m:ctrlPr>
+                                <a:rPr kumimoji="1" lang="en-US" altLang="zh-CN" sz="2400" b="1" i="1" smtClean="0">
+                                  <a:latin typeface="Cambria Math" panose="02040503050406030204" pitchFamily="18" charset="0"/>
+                                </a:rPr>
+                              </m:ctrlPr>
+                            </m:accPr>
+                            <m:e>
+                              <m:r>
+                                <a:rPr kumimoji="1" lang="en-US" altLang="zh-CN" sz="2400" b="1" i="1" smtClean="0">
+                                  <a:latin typeface="Cambria Math" panose="02040503050406030204" pitchFamily="18" charset="0"/>
+                                </a:rPr>
+                                <m:t>𝒌</m:t>
+                              </m:r>
+                            </m:e>
+                          </m:acc>
                         </m:e>
                         <m:sub>
                           <m:r>
-                            <a:rPr kumimoji="1" lang="en-US" altLang="zh-CN" sz="2400" b="0" i="1" smtClean="0">
+                            <a:rPr kumimoji="1" lang="en-US" altLang="zh-CN" sz="2400" b="1" i="1" smtClean="0">
                               <a:latin typeface="Cambria Math" panose="02040503050406030204" pitchFamily="18" charset="0"/>
                             </a:rPr>
-                            <m:t>0</m:t>
+                            <m:t>𝟎</m:t>
                           </m:r>
                         </m:sub>
                       </m:sSub>
                     </m:oMath>
                   </m:oMathPara>
                 </a14:m>
-                <a:endParaRPr kumimoji="1" lang="zh-CN" altLang="en-US" dirty="0"/>
+                <a:endParaRPr kumimoji="1" lang="zh-CN" altLang="en-US" b="1" dirty="0"/>
               </a:p>
             </p:txBody>
           </p:sp>
@@ -5302,8 +5478,8 @@
             </p:nvSpPr>
             <p:spPr>
               <a:xfrm>
-                <a:off x="9395867" y="1321044"/>
-                <a:ext cx="582146" cy="461665"/>
+                <a:off x="8816170" y="1773927"/>
+                <a:ext cx="604588" cy="481607"/>
               </a:xfrm>
               <a:prstGeom prst="rect">
                 <a:avLst/>
@@ -5311,7 +5487,7 @@
               <a:blipFill>
                 <a:blip r:embed="rId8"/>
                 <a:stretch>
-                  <a:fillRect/>
+                  <a:fillRect t="-6329" r="-8081" b="-1266"/>
                 </a:stretch>
               </a:blipFill>
             </p:spPr>
@@ -5320,7 +5496,7 @@
               <a:lstStyle/>
               <a:p>
                 <a:r>
-                  <a:rPr lang="zh-CN" altLang="en-US">
+                  <a:rPr lang="en-US">
                     <a:noFill/>
                   </a:rPr>
                   <a:t> </a:t>
@@ -5347,7 +5523,7 @@
             <p:spPr>
               <a:xfrm>
                 <a:off x="10902470" y="1381235"/>
-                <a:ext cx="495392" cy="523220"/>
+                <a:ext cx="516487" cy="523220"/>
               </a:xfrm>
               <a:prstGeom prst="rect">
                 <a:avLst/>
@@ -5366,16 +5542,28 @@
                       <m:jc m:val="centerGroup"/>
                     </m:oMathParaPr>
                     <m:oMath xmlns:m="http://schemas.openxmlformats.org/officeDocument/2006/math">
-                      <m:r>
-                        <a:rPr kumimoji="1" lang="en-US" altLang="zh-CN" sz="2800" b="0" i="1" smtClean="0">
-                          <a:latin typeface="Cambria Math" panose="02040503050406030204" pitchFamily="18" charset="0"/>
-                        </a:rPr>
-                        <m:t>𝑛</m:t>
-                      </m:r>
+                      <m:acc>
+                        <m:accPr>
+                          <m:chr m:val="̂"/>
+                          <m:ctrlPr>
+                            <a:rPr kumimoji="1" lang="en-US" altLang="zh-CN" sz="2800" b="1" i="1" smtClean="0">
+                              <a:latin typeface="Cambria Math" panose="02040503050406030204" pitchFamily="18" charset="0"/>
+                            </a:rPr>
+                          </m:ctrlPr>
+                        </m:accPr>
+                        <m:e>
+                          <m:r>
+                            <a:rPr kumimoji="1" lang="en-US" altLang="zh-CN" sz="2800" b="1" i="1" smtClean="0">
+                              <a:latin typeface="Cambria Math" panose="02040503050406030204" pitchFamily="18" charset="0"/>
+                            </a:rPr>
+                            <m:t>𝒏</m:t>
+                          </m:r>
+                        </m:e>
+                      </m:acc>
                     </m:oMath>
                   </m:oMathPara>
                 </a14:m>
-                <a:endParaRPr kumimoji="1" lang="zh-CN" altLang="en-US" sz="2800" i="1" dirty="0"/>
+                <a:endParaRPr kumimoji="1" lang="zh-CN" altLang="en-US" sz="2800" b="1" i="1" dirty="0"/>
               </a:p>
             </p:txBody>
           </p:sp>
@@ -5398,7 +5586,7 @@
             <p:spPr>
               <a:xfrm>
                 <a:off x="10902470" y="1381235"/>
-                <a:ext cx="495392" cy="523220"/>
+                <a:ext cx="516487" cy="523220"/>
               </a:xfrm>
               <a:prstGeom prst="rect">
                 <a:avLst/>
@@ -5415,7 +5603,7 @@
               <a:lstStyle/>
               <a:p>
                 <a:r>
-                  <a:rPr lang="zh-CN" altLang="en-US">
+                  <a:rPr lang="en-US">
                     <a:noFill/>
                   </a:rPr>
                   <a:t> </a:t>
@@ -5441,8 +5629,8 @@
             </p:nvSpPr>
             <p:spPr>
               <a:xfrm>
-                <a:off x="10998103" y="2390457"/>
-                <a:ext cx="511357" cy="523220"/>
+                <a:off x="10661244" y="2892816"/>
+                <a:ext cx="527709" cy="523220"/>
               </a:xfrm>
               <a:prstGeom prst="rect">
                 <a:avLst/>
@@ -5462,15 +5650,15 @@
                     </m:oMathParaPr>
                     <m:oMath xmlns:m="http://schemas.openxmlformats.org/officeDocument/2006/math">
                       <m:r>
-                        <a:rPr kumimoji="1" lang="zh-CN" altLang="en-US" sz="2800" i="1" smtClean="0">
+                        <a:rPr kumimoji="1" lang="zh-CN" altLang="en-US" sz="2800" b="1" i="1" smtClean="0">
                           <a:latin typeface="Cambria Math" panose="02040503050406030204" pitchFamily="18" charset="0"/>
                         </a:rPr>
-                        <m:t>𝛽</m:t>
+                        <m:t>𝜷</m:t>
                       </m:r>
                     </m:oMath>
                   </m:oMathPara>
                 </a14:m>
-                <a:endParaRPr kumimoji="1" lang="zh-CN" altLang="en-US" sz="2800" dirty="0"/>
+                <a:endParaRPr kumimoji="1" lang="zh-CN" altLang="en-US" sz="2800" b="1" dirty="0"/>
               </a:p>
             </p:txBody>
           </p:sp>
@@ -5492,8 +5680,8 @@
             </p:nvSpPr>
             <p:spPr>
               <a:xfrm>
-                <a:off x="10998103" y="2390457"/>
-                <a:ext cx="511357" cy="523220"/>
+                <a:off x="10661244" y="2892816"/>
+                <a:ext cx="527709" cy="523220"/>
               </a:xfrm>
               <a:prstGeom prst="rect">
                 <a:avLst/>
@@ -5501,7 +5689,7 @@
               <a:blipFill>
                 <a:blip r:embed="rId10"/>
                 <a:stretch>
-                  <a:fillRect l="-2439" r="-2439" b="-19048"/>
+                  <a:fillRect/>
                 </a:stretch>
               </a:blipFill>
             </p:spPr>
@@ -5510,7 +5698,7 @@
               <a:lstStyle/>
               <a:p>
                 <a:r>
-                  <a:rPr lang="zh-CN" altLang="en-US">
+                  <a:rPr lang="en-US">
                     <a:noFill/>
                   </a:rPr>
                   <a:t> </a:t>
@@ -5536,15 +5724,15 @@
         </p:nvCxnSpPr>
         <p:spPr>
           <a:xfrm>
-            <a:off x="7816778" y="4234963"/>
-            <a:ext cx="1021507" cy="256024"/>
+            <a:off x="6746649" y="4028433"/>
+            <a:ext cx="2091636" cy="452929"/>
           </a:xfrm>
           <a:prstGeom prst="line">
             <a:avLst/>
           </a:prstGeom>
           <a:ln w="19050">
             <a:solidFill>
-              <a:srgbClr val="7030A0"/>
+              <a:schemeClr val="tx1"/>
             </a:solidFill>
             <a:prstDash val="lgDash"/>
           </a:ln>
@@ -5578,13 +5766,13 @@
         </p:nvSpPr>
         <p:spPr>
           <a:xfrm>
-            <a:off x="8773875" y="2142823"/>
-            <a:ext cx="1699720" cy="1042791"/>
+            <a:off x="8808663" y="2226932"/>
+            <a:ext cx="2532260" cy="1822802"/>
           </a:xfrm>
           <a:prstGeom prst="arc">
             <a:avLst>
-              <a:gd name="adj1" fmla="val 16992984"/>
-              <a:gd name="adj2" fmla="val 21078370"/>
+              <a:gd name="adj1" fmla="val 13032345"/>
+              <a:gd name="adj2" fmla="val 18224778"/>
             </a:avLst>
           </a:prstGeom>
           <a:ln w="19050">
@@ -5633,7 +5821,7 @@
             </p:nvSpPr>
             <p:spPr>
               <a:xfrm>
-                <a:off x="9907449" y="1751710"/>
+                <a:off x="9564781" y="1772683"/>
                 <a:ext cx="508152" cy="523220"/>
               </a:xfrm>
               <a:prstGeom prst="rect">
@@ -5692,7 +5880,7 @@
             </p:nvSpPr>
             <p:spPr>
               <a:xfrm>
-                <a:off x="9907449" y="1751710"/>
+                <a:off x="9564781" y="1772683"/>
                 <a:ext cx="508152" cy="523220"/>
               </a:xfrm>
               <a:prstGeom prst="rect">
@@ -5710,7 +5898,7 @@
               <a:lstStyle/>
               <a:p>
                 <a:r>
-                  <a:rPr lang="zh-CN" altLang="en-US">
+                  <a:rPr lang="en-US">
                     <a:noFill/>
                   </a:rPr>
                   <a:t> </a:t>
@@ -5734,13 +5922,13 @@
         </p:nvSpPr>
         <p:spPr>
           <a:xfrm>
-            <a:off x="8802323" y="2517755"/>
-            <a:ext cx="1699720" cy="1042791"/>
+            <a:off x="8627106" y="2778354"/>
+            <a:ext cx="1806898" cy="1659382"/>
           </a:xfrm>
           <a:prstGeom prst="arc">
             <a:avLst>
-              <a:gd name="adj1" fmla="val 16992984"/>
-              <a:gd name="adj2" fmla="val 21354431"/>
+              <a:gd name="adj1" fmla="val 15878194"/>
+              <a:gd name="adj2" fmla="val 19497430"/>
             </a:avLst>
           </a:prstGeom>
           <a:ln w="19050">
@@ -5789,7 +5977,7 @@
             </p:nvSpPr>
             <p:spPr>
               <a:xfrm>
-                <a:off x="10397622" y="2405123"/>
+                <a:off x="9767643" y="2328866"/>
                 <a:ext cx="469616" cy="523220"/>
               </a:xfrm>
               <a:prstGeom prst="rect">
@@ -5847,7 +6035,7 @@
             </p:nvSpPr>
             <p:spPr>
               <a:xfrm>
-                <a:off x="10397622" y="2405123"/>
+                <a:off x="9767643" y="2328866"/>
                 <a:ext cx="469616" cy="523220"/>
               </a:xfrm>
               <a:prstGeom prst="rect">
@@ -5856,7 +6044,7 @@
               <a:blipFill>
                 <a:blip r:embed="rId12"/>
                 <a:stretch>
-                  <a:fillRect l="-5263" b="-16279"/>
+                  <a:fillRect/>
                 </a:stretch>
               </a:blipFill>
             </p:spPr>
@@ -5865,7 +6053,7 @@
               <a:lstStyle/>
               <a:p>
                 <a:r>
-                  <a:rPr lang="zh-CN" altLang="en-US">
+                  <a:rPr lang="en-US">
                     <a:noFill/>
                   </a:rPr>
                   <a:t> </a:t>
@@ -6205,7 +6393,7 @@
           </a:xfrm>
           <a:prstGeom prst="arc">
             <a:avLst>
-              <a:gd name="adj1" fmla="val 3960982"/>
+              <a:gd name="adj1" fmla="val 4103091"/>
               <a:gd name="adj2" fmla="val 6708648"/>
             </a:avLst>
           </a:prstGeom>
@@ -6259,7 +6447,7 @@
             </p:nvSpPr>
             <p:spPr>
               <a:xfrm>
-                <a:off x="8370234" y="3911423"/>
+                <a:off x="8447085" y="3824789"/>
                 <a:ext cx="305853" cy="369332"/>
               </a:xfrm>
               <a:prstGeom prst="rect">
@@ -6318,7 +6506,7 @@
             </p:nvSpPr>
             <p:spPr>
               <a:xfrm>
-                <a:off x="8370234" y="3911423"/>
+                <a:off x="8447085" y="3824789"/>
                 <a:ext cx="305853" cy="369332"/>
               </a:xfrm>
               <a:prstGeom prst="rect">
@@ -6327,7 +6515,7 @@
               <a:blipFill>
                 <a:blip r:embed="rId15"/>
                 <a:stretch>
-                  <a:fillRect l="-28000" r="-28000" b="-26667"/>
+                  <a:fillRect l="-32000" r="-30000" b="-32787"/>
                 </a:stretch>
               </a:blipFill>
             </p:spPr>
@@ -6336,7 +6524,7 @@
               <a:lstStyle/>
               <a:p>
                 <a:r>
-                  <a:rPr lang="zh-CN" altLang="en-US">
+                  <a:rPr lang="en-US">
                     <a:noFill/>
                   </a:rPr>
                   <a:t> </a:t>
@@ -6346,12 +6534,124 @@
           </p:sp>
         </mc:Fallback>
       </mc:AlternateContent>
-      <p:sp>
-        <p:nvSpPr>
-          <p:cNvPr id="206" name="矩形 205">
-            <a:extLst>
-              <a:ext uri="{FF2B5EF4-FFF2-40B4-BE49-F238E27FC236}">
-                <a16:creationId xmlns:a16="http://schemas.microsoft.com/office/drawing/2014/main" id="{1B7AE662-55E4-0641-A9F0-DD62687F2636}"/>
+      <mc:AlternateContent xmlns:mc="http://schemas.openxmlformats.org/markup-compatibility/2006" xmlns:a14="http://schemas.microsoft.com/office/drawing/2010/main">
+        <mc:Choice Requires="a14">
+          <p:sp>
+            <p:nvSpPr>
+              <p:cNvPr id="206" name="矩形 205">
+                <a:extLst>
+                  <a:ext uri="{FF2B5EF4-FFF2-40B4-BE49-F238E27FC236}">
+                    <a16:creationId xmlns:a16="http://schemas.microsoft.com/office/drawing/2014/main" id="{1B7AE662-55E4-0641-A9F0-DD62687F2636}"/>
+                  </a:ext>
+                </a:extLst>
+              </p:cNvPr>
+              <p:cNvSpPr/>
+              <p:nvPr/>
+            </p:nvSpPr>
+            <p:spPr>
+              <a:xfrm rot="327690">
+                <a:off x="3252295" y="891675"/>
+                <a:ext cx="494046" cy="546560"/>
+              </a:xfrm>
+              <a:prstGeom prst="rect">
+                <a:avLst/>
+              </a:prstGeom>
+            </p:spPr>
+            <p:txBody>
+              <a:bodyPr wrap="none">
+                <a:spAutoFit/>
+              </a:bodyPr>
+              <a:lstStyle/>
+              <a:p>
+                <a:pPr/>
+                <a14:m>
+                  <m:oMathPara xmlns:m="http://schemas.openxmlformats.org/officeDocument/2006/math">
+                    <m:oMathParaPr>
+                      <m:jc m:val="centerGroup"/>
+                    </m:oMathParaPr>
+                    <m:oMath xmlns:m="http://schemas.openxmlformats.org/officeDocument/2006/math">
+                      <m:acc>
+                        <m:accPr>
+                          <m:chr m:val="̂"/>
+                          <m:ctrlPr>
+                            <a:rPr lang="en-US" altLang="zh-CN" sz="2800" b="1" i="1" smtClean="0">
+                              <a:latin typeface="Cambria Math" panose="02040503050406030204" pitchFamily="18" charset="0"/>
+                              <a:cs typeface="Times New Roman" panose="02020603050405020304" pitchFamily="18" charset="0"/>
+                            </a:rPr>
+                          </m:ctrlPr>
+                        </m:accPr>
+                        <m:e>
+                          <m:r>
+                            <a:rPr lang="en-US" altLang="zh-CN" sz="2800" b="1" i="1" smtClean="0">
+                              <a:latin typeface="Cambria Math" panose="02040503050406030204" pitchFamily="18" charset="0"/>
+                              <a:cs typeface="Times New Roman" panose="02020603050405020304" pitchFamily="18" charset="0"/>
+                            </a:rPr>
+                            <m:t>𝒌</m:t>
+                          </m:r>
+                        </m:e>
+                      </m:acc>
+                    </m:oMath>
+                  </m:oMathPara>
+                </a14:m>
+                <a:endParaRPr lang="zh-CN" altLang="en-US" sz="2800" b="1" i="1" dirty="0">
+                  <a:latin typeface="Times New Roman" panose="02020603050405020304" pitchFamily="18" charset="0"/>
+                  <a:cs typeface="Times New Roman" panose="02020603050405020304" pitchFamily="18" charset="0"/>
+                </a:endParaRPr>
+              </a:p>
+            </p:txBody>
+          </p:sp>
+        </mc:Choice>
+        <mc:Fallback xmlns="">
+          <p:sp>
+            <p:nvSpPr>
+              <p:cNvPr id="206" name="矩形 205">
+                <a:extLst>
+                  <a:ext uri="{FF2B5EF4-FFF2-40B4-BE49-F238E27FC236}">
+                    <a16:creationId xmlns:a16="http://schemas.microsoft.com/office/drawing/2014/main" id="{1B7AE662-55E4-0641-A9F0-DD62687F2636}"/>
+                  </a:ext>
+                </a:extLst>
+              </p:cNvPr>
+              <p:cNvSpPr>
+                <a:spLocks noRot="1" noChangeAspect="1" noMove="1" noResize="1" noEditPoints="1" noAdjustHandles="1" noChangeArrowheads="1" noChangeShapeType="1" noTextEdit="1"/>
+              </p:cNvSpPr>
+              <p:nvPr/>
+            </p:nvSpPr>
+            <p:spPr>
+              <a:xfrm rot="327690">
+                <a:off x="3252295" y="891675"/>
+                <a:ext cx="494046" cy="546560"/>
+              </a:xfrm>
+              <a:prstGeom prst="rect">
+                <a:avLst/>
+              </a:prstGeom>
+              <a:blipFill>
+                <a:blip r:embed="rId16"/>
+                <a:stretch>
+                  <a:fillRect/>
+                </a:stretch>
+              </a:blipFill>
+            </p:spPr>
+            <p:txBody>
+              <a:bodyPr/>
+              <a:lstStyle/>
+              <a:p>
+                <a:r>
+                  <a:rPr lang="en-US">
+                    <a:noFill/>
+                  </a:rPr>
+                  <a:t> </a:t>
+                </a:r>
+              </a:p>
+            </p:txBody>
+          </p:sp>
+        </mc:Fallback>
+      </mc:AlternateContent>
+      <p:sp>
+        <p:nvSpPr>
+          <p:cNvPr id="49" name="弧 149">
+            <a:extLst>
+              <a:ext uri="{FF2B5EF4-FFF2-40B4-BE49-F238E27FC236}">
+                <a16:creationId xmlns:a16="http://schemas.microsoft.com/office/drawing/2014/main" id="{7BB37D09-399D-49C1-BDB7-178E195730CD}"/>
               </a:ext>
             </a:extLst>
           </p:cNvPr>
@@ -6359,34 +6659,92 @@
           <p:nvPr/>
         </p:nvSpPr>
         <p:spPr>
-          <a:xfrm rot="327690">
-            <a:off x="2633744" y="962798"/>
-            <a:ext cx="343364" cy="523220"/>
+          <a:xfrm rot="18659758">
+            <a:off x="3689781" y="2335938"/>
+            <a:ext cx="4977656" cy="5917536"/>
           </a:xfrm>
-          <a:prstGeom prst="rect">
+          <a:prstGeom prst="arc">
+            <a:avLst>
+              <a:gd name="adj1" fmla="val 19321168"/>
+              <a:gd name="adj2" fmla="val 20640628"/>
+            </a:avLst>
+          </a:prstGeom>
+          <a:ln w="19050">
+            <a:solidFill>
+              <a:srgbClr val="00B050"/>
+            </a:solidFill>
+            <a:prstDash val="solid"/>
+          </a:ln>
+        </p:spPr>
+        <p:style>
+          <a:lnRef idx="1">
+            <a:schemeClr val="accent1"/>
+          </a:lnRef>
+          <a:fillRef idx="0">
+            <a:schemeClr val="accent1"/>
+          </a:fillRef>
+          <a:effectRef idx="0">
+            <a:schemeClr val="accent1"/>
+          </a:effectRef>
+          <a:fontRef idx="minor">
+            <a:schemeClr val="tx1"/>
+          </a:fontRef>
+        </p:style>
+        <p:txBody>
+          <a:bodyPr rtlCol="0" anchor="ctr"/>
+          <a:lstStyle/>
+          <a:p>
+            <a:pPr algn="ctr"/>
+            <a:endParaRPr kumimoji="1" lang="zh-CN" altLang="en-US"/>
+          </a:p>
+        </p:txBody>
+      </p:sp>
+      <p:cxnSp>
+        <p:nvCxnSpPr>
+          <p:cNvPr id="55" name="直线连接符 168">
+            <a:extLst>
+              <a:ext uri="{FF2B5EF4-FFF2-40B4-BE49-F238E27FC236}">
+                <a16:creationId xmlns:a16="http://schemas.microsoft.com/office/drawing/2014/main" id="{A738E288-2468-41F2-8BA7-AA0F35FEBFFE}"/>
+              </a:ext>
+            </a:extLst>
+          </p:cNvPr>
+          <p:cNvCxnSpPr>
+            <a:cxnSpLocks/>
+          </p:cNvCxnSpPr>
+          <p:nvPr/>
+        </p:nvCxnSpPr>
+        <p:spPr>
+          <a:xfrm flipH="1" flipV="1">
+            <a:off x="2176272" y="3054096"/>
+            <a:ext cx="4550358" cy="975735"/>
+          </a:xfrm>
+          <a:prstGeom prst="line">
             <a:avLst/>
           </a:prstGeom>
+          <a:ln w="19050">
+            <a:solidFill>
+              <a:schemeClr val="tx1"/>
+            </a:solidFill>
+            <a:prstDash val="solid"/>
+            <a:headEnd type="none"/>
+            <a:tailEnd type="arrow" w="med" len="lg"/>
+          </a:ln>
         </p:spPr>
-        <p:txBody>
-          <a:bodyPr wrap="none">
-            <a:spAutoFit/>
-          </a:bodyPr>
-          <a:lstStyle/>
-          <a:p>
-            <a:r>
-              <a:rPr lang="en-US" altLang="zh-CN" sz="2800" i="1" dirty="0">
-                <a:latin typeface="Times New Roman" panose="02020603050405020304" pitchFamily="18" charset="0"/>
-                <a:cs typeface="Times New Roman" panose="02020603050405020304" pitchFamily="18" charset="0"/>
-              </a:rPr>
-              <a:t>k</a:t>
-            </a:r>
-            <a:endParaRPr lang="zh-CN" altLang="en-US" sz="2800" i="1" dirty="0">
-              <a:latin typeface="Times New Roman" panose="02020603050405020304" pitchFamily="18" charset="0"/>
-              <a:cs typeface="Times New Roman" panose="02020603050405020304" pitchFamily="18" charset="0"/>
-            </a:endParaRPr>
-          </a:p>
-        </p:txBody>
-      </p:sp>
+        <p:style>
+          <a:lnRef idx="1">
+            <a:schemeClr val="accent1"/>
+          </a:lnRef>
+          <a:fillRef idx="0">
+            <a:schemeClr val="accent1"/>
+          </a:fillRef>
+          <a:effectRef idx="0">
+            <a:schemeClr val="accent1"/>
+          </a:effectRef>
+          <a:fontRef idx="minor">
+            <a:schemeClr val="tx1"/>
+          </a:fontRef>
+        </p:style>
+      </p:cxnSp>
     </p:spTree>
     <p:extLst>
       <p:ext uri="{BB962C8B-B14F-4D97-AF65-F5344CB8AC3E}">

--- a/schematic_figures.pptx
+++ b/schematic_figures.pptx
@@ -118,12 +118,12 @@
   <pc:docChgLst>
     <pc:chgData name="Rui Xx" userId="bc1175b7714568f9" providerId="LiveId" clId="{2B5C2695-125B-4819-ACE7-1C3D0A091C10}"/>
     <pc:docChg chg="undo custSel modSld">
-      <pc:chgData name="Rui Xx" userId="bc1175b7714568f9" providerId="LiveId" clId="{2B5C2695-125B-4819-ACE7-1C3D0A091C10}" dt="2020-07-09T07:11:23.148" v="412" actId="1076"/>
+      <pc:chgData name="Rui Xx" userId="bc1175b7714568f9" providerId="LiveId" clId="{2B5C2695-125B-4819-ACE7-1C3D0A091C10}" dt="2020-07-09T07:56:13.520" v="421" actId="1035"/>
       <pc:docMkLst>
         <pc:docMk/>
       </pc:docMkLst>
       <pc:sldChg chg="addSp delSp modSp">
-        <pc:chgData name="Rui Xx" userId="bc1175b7714568f9" providerId="LiveId" clId="{2B5C2695-125B-4819-ACE7-1C3D0A091C10}" dt="2020-07-09T07:11:23.148" v="412" actId="1076"/>
+        <pc:chgData name="Rui Xx" userId="bc1175b7714568f9" providerId="LiveId" clId="{2B5C2695-125B-4819-ACE7-1C3D0A091C10}" dt="2020-07-09T07:56:13.520" v="421" actId="1035"/>
         <pc:sldMkLst>
           <pc:docMk/>
           <pc:sldMk cId="3728578281" sldId="257"/>
@@ -312,8 +312,16 @@
             <ac:cxnSpMk id="33" creationId="{074F2F78-F7FA-984C-AA36-4CDA50B8009B}"/>
           </ac:cxnSpMkLst>
         </pc:cxnChg>
+        <pc:cxnChg chg="add del mod">
+          <ac:chgData name="Rui Xx" userId="bc1175b7714568f9" providerId="LiveId" clId="{2B5C2695-125B-4819-ACE7-1C3D0A091C10}" dt="2020-07-09T07:56:02.676" v="420" actId="478"/>
+          <ac:cxnSpMkLst>
+            <pc:docMk/>
+            <pc:sldMk cId="3728578281" sldId="257"/>
+            <ac:cxnSpMk id="47" creationId="{631364CE-9344-4A8F-8C01-6237AFAD9530}"/>
+          </ac:cxnSpMkLst>
+        </pc:cxnChg>
         <pc:cxnChg chg="add mod">
-          <ac:chgData name="Rui Xx" userId="bc1175b7714568f9" providerId="LiveId" clId="{2B5C2695-125B-4819-ACE7-1C3D0A091C10}" dt="2020-07-09T05:57:52.993" v="134" actId="1076"/>
+          <ac:chgData name="Rui Xx" userId="bc1175b7714568f9" providerId="LiveId" clId="{2B5C2695-125B-4819-ACE7-1C3D0A091C10}" dt="2020-07-09T07:56:13.520" v="421" actId="1035"/>
           <ac:cxnSpMkLst>
             <pc:docMk/>
             <pc:sldMk cId="3728578281" sldId="257"/>
@@ -345,7 +353,7 @@
           </ac:cxnSpMkLst>
         </pc:cxnChg>
         <pc:cxnChg chg="mod">
-          <ac:chgData name="Rui Xx" userId="bc1175b7714568f9" providerId="LiveId" clId="{2B5C2695-125B-4819-ACE7-1C3D0A091C10}" dt="2020-07-09T05:49:31.119" v="83" actId="1037"/>
+          <ac:chgData name="Rui Xx" userId="bc1175b7714568f9" providerId="LiveId" clId="{2B5C2695-125B-4819-ACE7-1C3D0A091C10}" dt="2020-07-09T07:55:57.207" v="419" actId="14100"/>
           <ac:cxnSpMkLst>
             <pc:docMk/>
             <pc:sldMk cId="3728578281" sldId="257"/>
@@ -393,7 +401,7 @@
           </ac:cxnSpMkLst>
         </pc:cxnChg>
         <pc:cxnChg chg="mod">
-          <ac:chgData name="Rui Xx" userId="bc1175b7714568f9" providerId="LiveId" clId="{2B5C2695-125B-4819-ACE7-1C3D0A091C10}" dt="2020-07-09T06:27:22.425" v="350" actId="1076"/>
+          <ac:chgData name="Rui Xx" userId="bc1175b7714568f9" providerId="LiveId" clId="{2B5C2695-125B-4819-ACE7-1C3D0A091C10}" dt="2020-07-09T07:55:05.816" v="413" actId="1076"/>
           <ac:cxnSpMkLst>
             <pc:docMk/>
             <pc:sldMk cId="3728578281" sldId="257"/>
@@ -414,6 +422,54 @@
             <pc:docMk/>
             <pc:sldMk cId="3728578281" sldId="257"/>
             <ac:cxnSpMk id="193" creationId="{6DCA0CB7-0C37-0C4B-BD98-FE0724068487}"/>
+          </ac:cxnSpMkLst>
+        </pc:cxnChg>
+      </pc:sldChg>
+    </pc:docChg>
+  </pc:docChgLst>
+  <pc:docChgLst>
+    <pc:chgData name="Rui Xx" userId="bc1175b7714568f9" providerId="LiveId" clId="{73D54E2E-0B69-418F-885C-827843EA6AD7}"/>
+    <pc:docChg chg="modSld">
+      <pc:chgData name="Rui Xx" userId="bc1175b7714568f9" providerId="LiveId" clId="{73D54E2E-0B69-418F-885C-827843EA6AD7}" dt="2020-07-14T20:51:04.321" v="12" actId="14100"/>
+      <pc:docMkLst>
+        <pc:docMk/>
+      </pc:docMkLst>
+      <pc:sldChg chg="modSp">
+        <pc:chgData name="Rui Xx" userId="bc1175b7714568f9" providerId="LiveId" clId="{73D54E2E-0B69-418F-885C-827843EA6AD7}" dt="2020-07-14T20:51:04.321" v="12" actId="14100"/>
+        <pc:sldMkLst>
+          <pc:docMk/>
+          <pc:sldMk cId="3728578281" sldId="257"/>
+        </pc:sldMkLst>
+        <pc:spChg chg="mod">
+          <ac:chgData name="Rui Xx" userId="bc1175b7714568f9" providerId="LiveId" clId="{73D54E2E-0B69-418F-885C-827843EA6AD7}" dt="2020-07-14T20:50:30.315" v="8" actId="688"/>
+          <ac:spMkLst>
+            <pc:docMk/>
+            <pc:sldMk cId="3728578281" sldId="257"/>
+            <ac:spMk id="156" creationId="{3D194435-2096-9144-BD15-6FF09888EF4D}"/>
+          </ac:spMkLst>
+        </pc:spChg>
+        <pc:spChg chg="mod">
+          <ac:chgData name="Rui Xx" userId="bc1175b7714568f9" providerId="LiveId" clId="{73D54E2E-0B69-418F-885C-827843EA6AD7}" dt="2020-07-14T20:42:31.806" v="0" actId="113"/>
+          <ac:spMkLst>
+            <pc:docMk/>
+            <pc:sldMk cId="3728578281" sldId="257"/>
+            <ac:spMk id="183" creationId="{3772F652-5DCA-5647-B7F9-03615B21CECF}"/>
+          </ac:spMkLst>
+        </pc:spChg>
+        <pc:spChg chg="mod">
+          <ac:chgData name="Rui Xx" userId="bc1175b7714568f9" providerId="LiveId" clId="{73D54E2E-0B69-418F-885C-827843EA6AD7}" dt="2020-07-14T20:43:00.549" v="1" actId="113"/>
+          <ac:spMkLst>
+            <pc:docMk/>
+            <pc:sldMk cId="3728578281" sldId="257"/>
+            <ac:spMk id="186" creationId="{D261D2CF-BBC9-F048-BCC8-93E87EDBA44D}"/>
+          </ac:spMkLst>
+        </pc:spChg>
+        <pc:cxnChg chg="mod">
+          <ac:chgData name="Rui Xx" userId="bc1175b7714568f9" providerId="LiveId" clId="{73D54E2E-0B69-418F-885C-827843EA6AD7}" dt="2020-07-14T20:51:04.321" v="12" actId="14100"/>
+          <ac:cxnSpMkLst>
+            <pc:docMk/>
+            <pc:sldMk cId="3728578281" sldId="257"/>
+            <ac:cxnSpMk id="155" creationId="{79C35472-6D23-A641-9751-B0795FAE75BF}"/>
           </ac:cxnSpMkLst>
         </pc:cxnChg>
       </pc:sldChg>
@@ -569,7 +625,7 @@
           <a:p>
             <a:fld id="{212F00D6-3642-7F43-BFBF-BFE7ADB0005A}" type="datetimeFigureOut">
               <a:rPr kumimoji="1" lang="zh-CN" altLang="en-US" smtClean="0"/>
-              <a:t>2020/7/9</a:t>
+              <a:t>2020/7/15</a:t>
             </a:fld>
             <a:endParaRPr kumimoji="1" lang="zh-CN" altLang="en-US"/>
           </a:p>
@@ -767,7 +823,7 @@
           <a:p>
             <a:fld id="{212F00D6-3642-7F43-BFBF-BFE7ADB0005A}" type="datetimeFigureOut">
               <a:rPr kumimoji="1" lang="zh-CN" altLang="en-US" smtClean="0"/>
-              <a:t>2020/7/9</a:t>
+              <a:t>2020/7/15</a:t>
             </a:fld>
             <a:endParaRPr kumimoji="1" lang="zh-CN" altLang="en-US"/>
           </a:p>
@@ -975,7 +1031,7 @@
           <a:p>
             <a:fld id="{212F00D6-3642-7F43-BFBF-BFE7ADB0005A}" type="datetimeFigureOut">
               <a:rPr kumimoji="1" lang="zh-CN" altLang="en-US" smtClean="0"/>
-              <a:t>2020/7/9</a:t>
+              <a:t>2020/7/15</a:t>
             </a:fld>
             <a:endParaRPr kumimoji="1" lang="zh-CN" altLang="en-US"/>
           </a:p>
@@ -1173,7 +1229,7 @@
           <a:p>
             <a:fld id="{212F00D6-3642-7F43-BFBF-BFE7ADB0005A}" type="datetimeFigureOut">
               <a:rPr kumimoji="1" lang="zh-CN" altLang="en-US" smtClean="0"/>
-              <a:t>2020/7/9</a:t>
+              <a:t>2020/7/15</a:t>
             </a:fld>
             <a:endParaRPr kumimoji="1" lang="zh-CN" altLang="en-US"/>
           </a:p>
@@ -1448,7 +1504,7 @@
           <a:p>
             <a:fld id="{212F00D6-3642-7F43-BFBF-BFE7ADB0005A}" type="datetimeFigureOut">
               <a:rPr kumimoji="1" lang="zh-CN" altLang="en-US" smtClean="0"/>
-              <a:t>2020/7/9</a:t>
+              <a:t>2020/7/15</a:t>
             </a:fld>
             <a:endParaRPr kumimoji="1" lang="zh-CN" altLang="en-US"/>
           </a:p>
@@ -1713,7 +1769,7 @@
           <a:p>
             <a:fld id="{212F00D6-3642-7F43-BFBF-BFE7ADB0005A}" type="datetimeFigureOut">
               <a:rPr kumimoji="1" lang="zh-CN" altLang="en-US" smtClean="0"/>
-              <a:t>2020/7/9</a:t>
+              <a:t>2020/7/15</a:t>
             </a:fld>
             <a:endParaRPr kumimoji="1" lang="zh-CN" altLang="en-US"/>
           </a:p>
@@ -2125,7 +2181,7 @@
           <a:p>
             <a:fld id="{212F00D6-3642-7F43-BFBF-BFE7ADB0005A}" type="datetimeFigureOut">
               <a:rPr kumimoji="1" lang="zh-CN" altLang="en-US" smtClean="0"/>
-              <a:t>2020/7/9</a:t>
+              <a:t>2020/7/15</a:t>
             </a:fld>
             <a:endParaRPr kumimoji="1" lang="zh-CN" altLang="en-US"/>
           </a:p>
@@ -2266,7 +2322,7 @@
           <a:p>
             <a:fld id="{212F00D6-3642-7F43-BFBF-BFE7ADB0005A}" type="datetimeFigureOut">
               <a:rPr kumimoji="1" lang="zh-CN" altLang="en-US" smtClean="0"/>
-              <a:t>2020/7/9</a:t>
+              <a:t>2020/7/15</a:t>
             </a:fld>
             <a:endParaRPr kumimoji="1" lang="zh-CN" altLang="en-US"/>
           </a:p>
@@ -2379,7 +2435,7 @@
           <a:p>
             <a:fld id="{212F00D6-3642-7F43-BFBF-BFE7ADB0005A}" type="datetimeFigureOut">
               <a:rPr kumimoji="1" lang="zh-CN" altLang="en-US" smtClean="0"/>
-              <a:t>2020/7/9</a:t>
+              <a:t>2020/7/15</a:t>
             </a:fld>
             <a:endParaRPr kumimoji="1" lang="zh-CN" altLang="en-US"/>
           </a:p>
@@ -2690,7 +2746,7 @@
           <a:p>
             <a:fld id="{212F00D6-3642-7F43-BFBF-BFE7ADB0005A}" type="datetimeFigureOut">
               <a:rPr kumimoji="1" lang="zh-CN" altLang="en-US" smtClean="0"/>
-              <a:t>2020/7/9</a:t>
+              <a:t>2020/7/15</a:t>
             </a:fld>
             <a:endParaRPr kumimoji="1" lang="zh-CN" altLang="en-US"/>
           </a:p>
@@ -2978,7 +3034,7 @@
           <a:p>
             <a:fld id="{212F00D6-3642-7F43-BFBF-BFE7ADB0005A}" type="datetimeFigureOut">
               <a:rPr kumimoji="1" lang="zh-CN" altLang="en-US" smtClean="0"/>
-              <a:t>2020/7/9</a:t>
+              <a:t>2020/7/15</a:t>
             </a:fld>
             <a:endParaRPr kumimoji="1" lang="zh-CN" altLang="en-US"/>
           </a:p>
@@ -3219,7 +3275,7 @@
           <a:p>
             <a:fld id="{212F00D6-3642-7F43-BFBF-BFE7ADB0005A}" type="datetimeFigureOut">
               <a:rPr kumimoji="1" lang="zh-CN" altLang="en-US" smtClean="0"/>
-              <a:t>2020/7/9</a:t>
+              <a:t>2020/7/15</a:t>
             </a:fld>
             <a:endParaRPr kumimoji="1" lang="zh-CN" altLang="en-US"/>
           </a:p>
@@ -4565,8 +4621,8 @@
         </p:nvCxnSpPr>
         <p:spPr>
           <a:xfrm flipV="1">
-            <a:off x="9816398" y="1824216"/>
-            <a:ext cx="1224413" cy="1464527"/>
+            <a:off x="9834154" y="1911150"/>
+            <a:ext cx="1189694" cy="1377594"/>
           </a:xfrm>
           <a:prstGeom prst="straightConnector1">
             <a:avLst/>
@@ -4781,8 +4837,8 @@
           </a:fontRef>
         </p:style>
       </p:cxnSp>
-      <mc:AlternateContent xmlns:mc="http://schemas.openxmlformats.org/markup-compatibility/2006" xmlns:a14="http://schemas.microsoft.com/office/drawing/2010/main">
-        <mc:Choice Requires="a14">
+      <mc:AlternateContent xmlns:mc="http://schemas.openxmlformats.org/markup-compatibility/2006">
+        <mc:Choice xmlns:a14="http://schemas.microsoft.com/office/drawing/2010/main" Requires="a14">
           <p:sp>
             <p:nvSpPr>
               <p:cNvPr id="156" name="文本框 155">
@@ -4796,8 +4852,8 @@
               <p:nvPr/>
             </p:nvSpPr>
             <p:spPr>
-              <a:xfrm rot="18312219">
-                <a:off x="2997010" y="2103914"/>
+              <a:xfrm rot="18877034">
+                <a:off x="2837057" y="1962665"/>
                 <a:ext cx="610349" cy="430887"/>
               </a:xfrm>
               <a:prstGeom prst="rect">
@@ -4832,7 +4888,7 @@
             </p:txBody>
           </p:sp>
         </mc:Choice>
-        <mc:Fallback xmlns="">
+        <mc:Fallback>
           <p:sp>
             <p:nvSpPr>
               <p:cNvPr id="156" name="文本框 155">
@@ -4848,8 +4904,8 @@
               <p:nvPr/>
             </p:nvSpPr>
             <p:spPr>
-              <a:xfrm rot="18312219">
-                <a:off x="2997010" y="2103914"/>
+              <a:xfrm rot="18877034">
+                <a:off x="2837057" y="1962665"/>
                 <a:ext cx="610349" cy="430887"/>
               </a:xfrm>
               <a:prstGeom prst="rect">
@@ -5003,7 +5059,7 @@
         </p:nvCxnSpPr>
         <p:spPr>
           <a:xfrm flipH="1" flipV="1">
-            <a:off x="2536367" y="1835569"/>
+            <a:off x="2522482" y="1829152"/>
             <a:ext cx="3830168" cy="834884"/>
           </a:xfrm>
           <a:prstGeom prst="line">
@@ -5094,8 +5150,8 @@
         </p:nvCxnSpPr>
         <p:spPr>
           <a:xfrm flipH="1">
-            <a:off x="3127891" y="1671149"/>
-            <a:ext cx="832879" cy="1465714"/>
+            <a:off x="2693011" y="1729844"/>
+            <a:ext cx="1207723" cy="1315374"/>
           </a:xfrm>
           <a:prstGeom prst="straightConnector1">
             <a:avLst/>
@@ -5123,8 +5179,8 @@
           </a:fontRef>
         </p:style>
       </p:cxnSp>
-      <mc:AlternateContent xmlns:mc="http://schemas.openxmlformats.org/markup-compatibility/2006" xmlns:a14="http://schemas.microsoft.com/office/drawing/2010/main">
-        <mc:Choice Requires="a14">
+      <mc:AlternateContent xmlns:mc="http://schemas.openxmlformats.org/markup-compatibility/2006">
+        <mc:Choice xmlns:a14="http://schemas.microsoft.com/office/drawing/2010/main" Requires="a14">
           <p:sp>
             <p:nvSpPr>
               <p:cNvPr id="183" name="文本框 182">
@@ -5140,7 +5196,7 @@
             <p:spPr>
               <a:xfrm>
                 <a:off x="8376486" y="1067648"/>
-                <a:ext cx="293350" cy="369332"/>
+                <a:ext cx="310983" cy="369332"/>
               </a:xfrm>
               <a:prstGeom prst="rect">
                 <a:avLst/>
@@ -5161,24 +5217,21 @@
                     </m:oMathParaPr>
                     <m:oMath xmlns:m="http://schemas.openxmlformats.org/officeDocument/2006/math">
                       <m:r>
-                        <m:rPr>
-                          <m:sty m:val="p"/>
-                        </m:rPr>
-                        <a:rPr kumimoji="1" lang="el-GR" altLang="zh-CN" sz="2400" i="1" smtClean="0">
+                        <a:rPr kumimoji="1" lang="el-GR" altLang="zh-CN" sz="2400" b="1" i="1" smtClean="0">
                           <a:latin typeface="Cambria Math" panose="02040503050406030204" pitchFamily="18" charset="0"/>
                           <a:ea typeface="Cambria Math" panose="02040503050406030204" pitchFamily="18" charset="0"/>
                         </a:rPr>
-                        <m:t>Ω</m:t>
+                        <m:t>𝜴</m:t>
                       </m:r>
                     </m:oMath>
                   </m:oMathPara>
                 </a14:m>
-                <a:endParaRPr kumimoji="1" lang="zh-CN" altLang="en-US" sz="2400" dirty="0"/>
+                <a:endParaRPr kumimoji="1" lang="zh-CN" altLang="en-US" sz="2400" b="1" dirty="0"/>
               </a:p>
             </p:txBody>
           </p:sp>
         </mc:Choice>
-        <mc:Fallback xmlns="">
+        <mc:Fallback>
           <p:sp>
             <p:nvSpPr>
               <p:cNvPr id="183" name="文本框 182">
@@ -5196,7 +5249,7 @@
             <p:spPr>
               <a:xfrm>
                 <a:off x="8376486" y="1067648"/>
-                <a:ext cx="293350" cy="369332"/>
+                <a:ext cx="310983" cy="369332"/>
               </a:xfrm>
               <a:prstGeom prst="rect">
                 <a:avLst/>
@@ -5204,7 +5257,7 @@
               <a:blipFill>
                 <a:blip r:embed="rId6"/>
                 <a:stretch>
-                  <a:fillRect l="-26087" r="-17391" b="-3448"/>
+                  <a:fillRect l="-19608" r="-21569" b="-6557"/>
                 </a:stretch>
               </a:blipFill>
             </p:spPr>
@@ -5213,7 +5266,7 @@
               <a:lstStyle/>
               <a:p>
                 <a:r>
-                  <a:rPr lang="zh-CN" altLang="en-US">
+                  <a:rPr lang="en-US">
                     <a:noFill/>
                   </a:rPr>
                   <a:t> </a:t>
@@ -5380,8 +5433,8 @@
           </a:p>
         </p:txBody>
       </p:sp>
-      <mc:AlternateContent xmlns:mc="http://schemas.openxmlformats.org/markup-compatibility/2006" xmlns:a14="http://schemas.microsoft.com/office/drawing/2010/main">
-        <mc:Choice Requires="a14">
+      <mc:AlternateContent xmlns:mc="http://schemas.openxmlformats.org/markup-compatibility/2006">
+        <mc:Choice xmlns:a14="http://schemas.microsoft.com/office/drawing/2010/main" Requires="a14">
           <p:sp>
             <p:nvSpPr>
               <p:cNvPr id="186" name="矩形 185">
@@ -5446,10 +5499,10 @@
                         </m:e>
                         <m:sub>
                           <m:r>
-                            <a:rPr kumimoji="1" lang="en-US" altLang="zh-CN" sz="2400" b="1" i="1" smtClean="0">
+                            <a:rPr kumimoji="1" lang="en-US" altLang="zh-CN" sz="2400" b="0" i="1" smtClean="0">
                               <a:latin typeface="Cambria Math" panose="02040503050406030204" pitchFamily="18" charset="0"/>
                             </a:rPr>
-                            <m:t>𝟎</m:t>
+                            <m:t>0</m:t>
                           </m:r>
                         </m:sub>
                       </m:sSub>
@@ -5461,7 +5514,7 @@
             </p:txBody>
           </p:sp>
         </mc:Choice>
-        <mc:Fallback xmlns="">
+        <mc:Fallback>
           <p:sp>
             <p:nvSpPr>
               <p:cNvPr id="186" name="矩形 185">
@@ -5487,7 +5540,7 @@
               <a:blipFill>
                 <a:blip r:embed="rId8"/>
                 <a:stretch>
-                  <a:fillRect t="-6329" r="-8081" b="-1266"/>
+                  <a:fillRect t="-6329" r="-9091"/>
                 </a:stretch>
               </a:blipFill>
             </p:spPr>
@@ -5961,8 +6014,8 @@
           </a:p>
         </p:txBody>
       </p:sp>
-      <mc:AlternateContent xmlns:mc="http://schemas.openxmlformats.org/markup-compatibility/2006" xmlns:a14="http://schemas.microsoft.com/office/drawing/2010/main">
-        <mc:Choice Requires="a14">
+      <mc:AlternateContent xmlns:mc="http://schemas.openxmlformats.org/markup-compatibility/2006">
+        <mc:Choice xmlns:a14="http://schemas.microsoft.com/office/drawing/2010/main" Requires="a14">
           <p:sp>
             <p:nvSpPr>
               <p:cNvPr id="199" name="矩形 198">
@@ -6004,7 +6057,7 @@
                           </a:solidFill>
                           <a:latin typeface="Cambria Math" panose="02040503050406030204" pitchFamily="18" charset="0"/>
                         </a:rPr>
-                        <m:t>𝜉</m:t>
+                        <m:t>𝜁</m:t>
                       </m:r>
                     </m:oMath>
                   </m:oMathPara>
@@ -6018,7 +6071,7 @@
             </p:txBody>
           </p:sp>
         </mc:Choice>
-        <mc:Fallback xmlns="">
+        <mc:Fallback>
           <p:sp>
             <p:nvSpPr>
               <p:cNvPr id="199" name="矩形 198">
@@ -6715,7 +6768,7 @@
         </p:nvCxnSpPr>
         <p:spPr>
           <a:xfrm flipH="1" flipV="1">
-            <a:off x="2176272" y="3054096"/>
+            <a:off x="2176272" y="3045218"/>
             <a:ext cx="4550358" cy="975735"/>
           </a:xfrm>
           <a:prstGeom prst="line">
